--- a/yeon/3조_콩난다/콩난다 발표.pptx
+++ b/yeon/3조_콩난다/콩난다 발표.pptx
@@ -1,18 +1,18 @@
 
 <file path=ppt/presentation.xml><?xml version="1.0" encoding="utf-8"?>
-<p:presentation xmlns:a="http://schemas.openxmlformats.org/drawingml/2006/main" xmlns:r="http://schemas.openxmlformats.org/officeDocument/2006/relationships" xmlns:p="http://schemas.openxmlformats.org/presentationml/2006/main" saveSubsetFonts="1">
+<p:presentation xmlns:r="http://schemas.openxmlformats.org/officeDocument/2006/relationships" xmlns:c="http://schemas.openxmlformats.org/drawingml/2006/chart" xmlns:a="http://schemas.openxmlformats.org/drawingml/2006/main" xmlns:dgm="http://schemas.openxmlformats.org/drawingml/2006/diagram" xmlns:dsp="http://schemas.microsoft.com/office/drawing/2008/diagram" xmlns:p="http://schemas.openxmlformats.org/presentationml/2006/main" saveSubsetFonts="1">
   <p:sldMasterIdLst>
-    <p:sldMasterId id="2147483660" r:id="rId1"/>
+    <p:sldMasterId id="2147483675" r:id="rId1"/>
   </p:sldMasterIdLst>
   <p:sldIdLst>
-    <p:sldId id="269" r:id="rId2"/>
-    <p:sldId id="258" r:id="rId3"/>
-    <p:sldId id="270" r:id="rId4"/>
-    <p:sldId id="271" r:id="rId5"/>
-    <p:sldId id="272" r:id="rId6"/>
-    <p:sldId id="273" r:id="rId7"/>
-    <p:sldId id="275" r:id="rId8"/>
-    <p:sldId id="274" r:id="rId9"/>
+    <p:sldId id="256" r:id="rId2"/>
+    <p:sldId id="257" r:id="rId3"/>
+    <p:sldId id="258" r:id="rId4"/>
+    <p:sldId id="259" r:id="rId5"/>
+    <p:sldId id="260" r:id="rId6"/>
+    <p:sldId id="261" r:id="rId7"/>
+    <p:sldId id="262" r:id="rId8"/>
+    <p:sldId id="263" r:id="rId9"/>
   </p:sldIdLst>
   <p:sldSz cx="12192000" cy="6858000"/>
   <p:notesSz cx="6858000" cy="9144000"/>
@@ -111,23 +111,12 @@
       </a:defRPr>
     </a:lvl9pPr>
   </p:defaultTextStyle>
-  <p:extLst>
-    <p:ext uri="{EFAFB233-063F-42B5-8137-9DF3F51BA10A}">
-      <p15:sldGuideLst xmlns:p15="http://schemas.microsoft.com/office/powerpoint/2012/main"/>
-    </p:ext>
-  </p:extLst>
 </p:presentation>
 </file>
 
 <file path=ppt/commentAuthors.xml><?xml version="1.0" encoding="utf-8"?>
-<p:cmAuthorLst xmlns:a="http://schemas.openxmlformats.org/drawingml/2006/main" xmlns:r="http://schemas.openxmlformats.org/officeDocument/2006/relationships" xmlns:p="http://schemas.openxmlformats.org/presentationml/2006/main">
-  <p:cmAuthor id="1" name="Windows 사용자" initials="W사" lastIdx="9" clrIdx="0">
-    <p:extLst>
-      <p:ext uri="{19B8F6BF-5375-455C-9EA6-DF929625EA0E}">
-        <p15:presenceInfo xmlns:p15="http://schemas.microsoft.com/office/powerpoint/2012/main" userId="Windows 사용자" providerId="None"/>
-      </p:ext>
-    </p:extLst>
-  </p:cmAuthor>
+<p:cmAuthorLst xmlns:r="http://schemas.openxmlformats.org/officeDocument/2006/relationships" xmlns:c="http://schemas.openxmlformats.org/drawingml/2006/chart" xmlns:a="http://schemas.openxmlformats.org/drawingml/2006/main" xmlns:dgm="http://schemas.openxmlformats.org/drawingml/2006/diagram" xmlns:dsp="http://schemas.microsoft.com/office/drawing/2008/diagram" xmlns:p="http://schemas.openxmlformats.org/presentationml/2006/main">
+  <p:cmAuthor id="1" name="Windows 사용자" initials="W사" lastIdx="9" clrIdx="0"/>
 </p:cmAuthorLst>
 </file>
 
@@ -331,10 +320,8 @@
 </file>
 
 <file path=ppt/charts/chart2.xml><?xml version="1.0" encoding="utf-8"?>
-<c:chartSpace xmlns:c="http://schemas.openxmlformats.org/drawingml/2006/chart" xmlns:a="http://schemas.openxmlformats.org/drawingml/2006/main" xmlns:r="http://schemas.openxmlformats.org/officeDocument/2006/relationships">
+<c:chartSpace xmlns:r="http://schemas.openxmlformats.org/officeDocument/2006/relationships" xmlns:a="http://schemas.openxmlformats.org/drawingml/2006/main" xmlns:c="http://schemas.openxmlformats.org/drawingml/2006/chart">
   <c:date1904 val="0"/>
-  <c:lang val="ko-KR"/>
-  <c:roundedCorners val="0"/>
   <mc:AlternateContent xmlns:mc="http://schemas.openxmlformats.org/markup-compatibility/2006">
     <mc:Choice xmlns:c14="http://schemas.microsoft.com/office/drawing/2007/8/2/chart" Requires="c14">
       <c14:style val="102"/>
@@ -343,6 +330,7 @@
       <c:style val="2"/>
     </mc:Fallback>
   </mc:AlternateContent>
+  <c:roundedCorners val="0"/>
   <c:chart>
     <c:autoTitleDeleted val="1"/>
     <c:plotArea>
@@ -367,33 +355,28 @@
           </c:tx>
           <c:spPr>
             <a:solidFill>
-              <a:srgbClr val="EF746F"/>
+              <a:srgbClr val="ef746f"/>
             </a:solidFill>
             <a:ln w="28575">
               <a:noFill/>
             </a:ln>
             <a:effectLst/>
           </c:spPr>
-          <c:invertIfNegative val="0"/>
           <c:dPt>
             <c:idx val="5"/>
             <c:invertIfNegative val="0"/>
             <c:bubble3D val="0"/>
             <c:spPr>
               <a:solidFill>
-                <a:srgbClr val="EF746F"/>
+                <a:srgbClr val="ef746f"/>
               </a:solidFill>
               <a:ln w="28575">
                 <a:noFill/>
               </a:ln>
               <a:effectLst/>
             </c:spPr>
-            <c:extLst xmlns:c16r2="http://schemas.microsoft.com/office/drawing/2015/06/chart">
-              <c:ext xmlns:c16="http://schemas.microsoft.com/office/drawing/2014/chart" uri="{C3380CC4-5D6E-409C-BE32-E72D297353CC}">
-                <c16:uniqueId val="{00000001-1B42-4D07-83B4-D10C63A65F45}"/>
-              </c:ext>
-            </c:extLst>
           </c:dPt>
+          <c:invertIfNegative val="0"/>
           <c:cat>
             <c:numRef>
               <c:f>Sheet1!$A$2:$A$13</c:f>
@@ -484,11 +467,6 @@
               </c:numCache>
             </c:numRef>
           </c:val>
-          <c:extLst xmlns:c16r2="http://schemas.microsoft.com/office/drawing/2015/06/chart">
-            <c:ext xmlns:c16="http://schemas.microsoft.com/office/drawing/2014/chart" uri="{C3380CC4-5D6E-409C-BE32-E72D297353CC}">
-              <c16:uniqueId val="{00000000-1B42-4D07-83B4-D10C63A65F45}"/>
-            </c:ext>
-          </c:extLst>
         </c:ser>
         <c:ser>
           <c:idx val="1"/>
@@ -506,7 +484,7 @@
           </c:tx>
           <c:spPr>
             <a:solidFill>
-              <a:srgbClr val="0B4877"/>
+              <a:srgbClr val="0b4877"/>
             </a:solidFill>
             <a:ln w="28575">
               <a:noFill/>
@@ -605,12 +583,14 @@
           </c:val>
         </c:ser>
         <c:dLbls>
+          <c:delete val="0"/>
           <c:showLegendKey val="0"/>
           <c:showVal val="0"/>
           <c:showCatName val="0"/>
           <c:showSerName val="0"/>
           <c:showPercent val="0"/>
           <c:showBubbleSize val="0"/>
+          <c:showLeaderLines val="0"/>
         </c:dLbls>
         <c:gapWidth val="500"/>
         <c:overlap val="-65"/>
@@ -622,8 +602,9 @@
         <c:scaling>
           <c:orientation val="minMax"/>
         </c:scaling>
+        <c:axPos val="b"/>
+        <c:crossAx val="234703488"/>
         <c:delete val="0"/>
-        <c:axPos val="b"/>
         <c:numFmt formatCode="General" sourceLinked="1"/>
         <c:majorTickMark val="none"/>
         <c:minorTickMark val="none"/>
@@ -637,29 +618,26 @@
           <a:effectLst/>
         </c:spPr>
         <c:txPr>
-          <a:bodyPr rot="-60000000" spcFirstLastPara="1" vertOverflow="ellipsis" vert="horz" wrap="square" anchor="ctr" anchorCtr="1"/>
+          <a:bodyPr/>
           <a:lstStyle/>
           <a:p>
             <a:pPr>
-              <a:defRPr sz="1197" b="0" i="0" u="none" strike="noStrike" kern="1200" baseline="0">
+              <a:defRPr sz="1197" b="0" i="0">
                 <a:solidFill>
                   <a:schemeClr val="bg1">
                     <a:lumMod val="50000"/>
                   </a:schemeClr>
                 </a:solidFill>
-                <a:latin typeface="+mn-lt"/>
-                <a:ea typeface="+mn-ea"/>
-                <a:cs typeface="+mn-cs"/>
               </a:defRPr>
             </a:pPr>
             <a:endParaRPr lang="ko-KR"/>
           </a:p>
         </c:txPr>
-        <c:crossAx val="234703488"/>
         <c:crosses val="autoZero"/>
         <c:auto val="1"/>
         <c:lblAlgn val="ctr"/>
         <c:lblOffset val="100"/>
+        <c:tickMarkSkip val="1"/>
         <c:noMultiLvlLbl val="0"/>
       </c:catAx>
       <c:valAx>
@@ -667,13 +645,13 @@
         <c:scaling>
           <c:orientation val="minMax"/>
         </c:scaling>
+        <c:axPos val="l"/>
+        <c:crossAx val="234710560"/>
         <c:delete val="1"/>
-        <c:axPos val="l"/>
         <c:numFmt formatCode="0%" sourceLinked="1"/>
         <c:majorTickMark val="none"/>
         <c:minorTickMark val="none"/>
         <c:tickLblPos val="nextTo"/>
-        <c:crossAx val="234710560"/>
         <c:crosses val="autoZero"/>
         <c:crossBetween val="between"/>
       </c:valAx>
@@ -685,10 +663,18 @@
         <a:effectLst/>
       </c:spPr>
     </c:plotArea>
-    <c:plotVisOnly val="1"/>
     <c:dispBlanksAs val="gap"/>
-    <c:showDLblsOverMax val="0"/>
   </c:chart>
+  <c:txPr>
+    <a:bodyPr/>
+    <a:lstStyle/>
+    <a:p>
+      <a:pPr>
+        <a:defRPr/>
+      </a:pPr>
+      <a:endParaRPr lang="ko-KR"/>
+    </a:p>
+  </c:txPr>
   <c:spPr>
     <a:noFill/>
     <a:ln>
@@ -696,22 +682,11 @@
     </a:ln>
     <a:effectLst/>
   </c:spPr>
-  <c:txPr>
-    <a:bodyPr/>
-    <a:lstStyle/>
-    <a:p>
-      <a:pPr>
-        <a:defRPr>
-          <a:solidFill>
-            <a:schemeClr val="bg1">
-              <a:lumMod val="85000"/>
-            </a:schemeClr>
-          </a:solidFill>
-        </a:defRPr>
-      </a:pPr>
-      <a:endParaRPr lang="ko-KR"/>
-    </a:p>
-  </c:txPr>
+  <c:extLst>
+    <c:ext uri="CC8EB2C9-7E31-499d-B8F2-F6CE61031016">
+      <ho:hncChartStyle xmlns:ho="http://schemas.haansoft.com/office/8.0" layoutIndex="-1" colorIndex="-1" styleIndex="-1"/>
+    </c:ext>
+  </c:extLst>
   <c:externalData r:id="rId1">
     <c:autoUpdate val="0"/>
   </c:externalData>
@@ -1278,7 +1253,7 @@
 </file>
 
 <file path=ppt/comments/comment1.xml><?xml version="1.0" encoding="utf-8"?>
-<p:cmLst xmlns:a="http://schemas.openxmlformats.org/drawingml/2006/main" xmlns:r="http://schemas.openxmlformats.org/officeDocument/2006/relationships" xmlns:p="http://schemas.openxmlformats.org/presentationml/2006/main">
+<p:cmLst xmlns:r="http://schemas.openxmlformats.org/officeDocument/2006/relationships" xmlns:c="http://schemas.openxmlformats.org/drawingml/2006/chart" xmlns:a="http://schemas.openxmlformats.org/drawingml/2006/main" xmlns:dgm="http://schemas.openxmlformats.org/drawingml/2006/diagram" xmlns:dsp="http://schemas.microsoft.com/office/drawing/2008/diagram" xmlns:p="http://schemas.openxmlformats.org/presentationml/2006/main">
   <p:cm authorId="1" dt="2020-10-22T13:24:06.506" idx="2">
     <p:pos x="10" y="10"/>
     <p:text>인덱스 구간.index 조원소개
@@ -1287,98 +1262,63 @@
 프로젝트 일정
 프로젝트 내용(특징, 주요기능)
 프로젝트를 마치고..</p:text>
-    <p:extLst>
-      <p:ext uri="{C676402C-5697-4E1C-873F-D02D1690AC5C}">
-        <p15:threadingInfo xmlns:p15="http://schemas.microsoft.com/office/powerpoint/2012/main" timeZoneBias="-540"/>
-      </p:ext>
-    </p:extLst>
   </p:cm>
 </p:cmLst>
 </file>
 
 <file path=ppt/comments/comment2.xml><?xml version="1.0" encoding="utf-8"?>
-<p:cmLst xmlns:a="http://schemas.openxmlformats.org/drawingml/2006/main" xmlns:r="http://schemas.openxmlformats.org/officeDocument/2006/relationships" xmlns:p="http://schemas.openxmlformats.org/presentationml/2006/main">
+<p:cmLst xmlns:r="http://schemas.openxmlformats.org/officeDocument/2006/relationships" xmlns:c="http://schemas.openxmlformats.org/drawingml/2006/chart" xmlns:a="http://schemas.openxmlformats.org/drawingml/2006/main" xmlns:dgm="http://schemas.openxmlformats.org/drawingml/2006/diagram" xmlns:dsp="http://schemas.microsoft.com/office/drawing/2008/diagram" xmlns:p="http://schemas.openxmlformats.org/presentationml/2006/main">
   <p:cm authorId="1" dt="2020-10-22T13:25:09.723" idx="4">
     <p:pos x="10" y="10"/>
     <p:text>조원소개 팀장 : 정연서
 조원 : 이제훈, 공가영, 경은비, 이안나</p:text>
-    <p:extLst>
-      <p:ext uri="{C676402C-5697-4E1C-873F-D02D1690AC5C}">
-        <p15:threadingInfo xmlns:p15="http://schemas.microsoft.com/office/powerpoint/2012/main" timeZoneBias="-540"/>
-      </p:ext>
-    </p:extLst>
   </p:cm>
 </p:cmLst>
 </file>
 
 <file path=ppt/comments/comment3.xml><?xml version="1.0" encoding="utf-8"?>
-<p:cmLst xmlns:a="http://schemas.openxmlformats.org/drawingml/2006/main" xmlns:r="http://schemas.openxmlformats.org/officeDocument/2006/relationships" xmlns:p="http://schemas.openxmlformats.org/presentationml/2006/main">
+<p:cmLst xmlns:r="http://schemas.openxmlformats.org/officeDocument/2006/relationships" xmlns:c="http://schemas.openxmlformats.org/drawingml/2006/chart" xmlns:a="http://schemas.openxmlformats.org/drawingml/2006/main" xmlns:dgm="http://schemas.openxmlformats.org/drawingml/2006/diagram" xmlns:dsp="http://schemas.microsoft.com/office/drawing/2008/diagram" xmlns:p="http://schemas.openxmlformats.org/presentationml/2006/main">
   <p:cm authorId="1" dt="2020-10-22T13:25:45.234" idx="5">
     <p:pos x="10" y="10"/>
     <p:text>기획 동기 커피와 디저트를 좋아하는 사람들이 만나
 카페의 운영에 도움이 되는 사이트를 만들고자 
 프로젝트를 진행</p:text>
-    <p:extLst>
-      <p:ext uri="{C676402C-5697-4E1C-873F-D02D1690AC5C}">
-        <p15:threadingInfo xmlns:p15="http://schemas.microsoft.com/office/powerpoint/2012/main" timeZoneBias="-540"/>
-      </p:ext>
-    </p:extLst>
   </p:cm>
 </p:cmLst>
 </file>
 
 <file path=ppt/comments/comment4.xml><?xml version="1.0" encoding="utf-8"?>
-<p:cmLst xmlns:a="http://schemas.openxmlformats.org/drawingml/2006/main" xmlns:r="http://schemas.openxmlformats.org/officeDocument/2006/relationships" xmlns:p="http://schemas.openxmlformats.org/presentationml/2006/main">
+<p:cmLst xmlns:r="http://schemas.openxmlformats.org/officeDocument/2006/relationships" xmlns:c="http://schemas.openxmlformats.org/drawingml/2006/chart" xmlns:a="http://schemas.openxmlformats.org/drawingml/2006/main" xmlns:dgm="http://schemas.openxmlformats.org/drawingml/2006/diagram" xmlns:dsp="http://schemas.microsoft.com/office/drawing/2008/diagram" xmlns:p="http://schemas.openxmlformats.org/presentationml/2006/main">
   <p:cm authorId="1" dt="2020-10-22T13:26:14.283" idx="6">
     <p:pos x="10" y="10"/>
     <p:text>개발환경</p:text>
-    <p:extLst>
-      <p:ext uri="{C676402C-5697-4E1C-873F-D02D1690AC5C}">
-        <p15:threadingInfo xmlns:p15="http://schemas.microsoft.com/office/powerpoint/2012/main" timeZoneBias="-540"/>
-      </p:ext>
-    </p:extLst>
   </p:cm>
 </p:cmLst>
 </file>
 
 <file path=ppt/comments/comment5.xml><?xml version="1.0" encoding="utf-8"?>
-<p:cmLst xmlns:a="http://schemas.openxmlformats.org/drawingml/2006/main" xmlns:r="http://schemas.openxmlformats.org/officeDocument/2006/relationships" xmlns:p="http://schemas.openxmlformats.org/presentationml/2006/main">
+<p:cmLst xmlns:r="http://schemas.openxmlformats.org/officeDocument/2006/relationships" xmlns:c="http://schemas.openxmlformats.org/drawingml/2006/chart" xmlns:a="http://schemas.openxmlformats.org/drawingml/2006/main" xmlns:dgm="http://schemas.openxmlformats.org/drawingml/2006/diagram" xmlns:dsp="http://schemas.microsoft.com/office/drawing/2008/diagram" xmlns:p="http://schemas.openxmlformats.org/presentationml/2006/main">
   <p:cm authorId="1" dt="2020-10-22T13:26:33.403" idx="7">
     <p:pos x="10" y="10"/>
     <p:text>프로젝트 일정</p:text>
-    <p:extLst>
-      <p:ext uri="{C676402C-5697-4E1C-873F-D02D1690AC5C}">
-        <p15:threadingInfo xmlns:p15="http://schemas.microsoft.com/office/powerpoint/2012/main" timeZoneBias="-540"/>
-      </p:ext>
-    </p:extLst>
   </p:cm>
 </p:cmLst>
 </file>
 
 <file path=ppt/comments/comment6.xml><?xml version="1.0" encoding="utf-8"?>
-<p:cmLst xmlns:a="http://schemas.openxmlformats.org/drawingml/2006/main" xmlns:r="http://schemas.openxmlformats.org/officeDocument/2006/relationships" xmlns:p="http://schemas.openxmlformats.org/presentationml/2006/main">
+<p:cmLst xmlns:r="http://schemas.openxmlformats.org/officeDocument/2006/relationships" xmlns:c="http://schemas.openxmlformats.org/drawingml/2006/chart" xmlns:a="http://schemas.openxmlformats.org/drawingml/2006/main" xmlns:dgm="http://schemas.openxmlformats.org/drawingml/2006/diagram" xmlns:dsp="http://schemas.microsoft.com/office/drawing/2008/diagram" xmlns:p="http://schemas.openxmlformats.org/presentationml/2006/main">
   <p:cm authorId="1" dt="2020-10-22T13:27:58.274" idx="9">
     <p:pos x="10" y="10"/>
     <p:text>프로젝트 내용</p:text>
-    <p:extLst>
-      <p:ext uri="{C676402C-5697-4E1C-873F-D02D1690AC5C}">
-        <p15:threadingInfo xmlns:p15="http://schemas.microsoft.com/office/powerpoint/2012/main" timeZoneBias="-540"/>
-      </p:ext>
-    </p:extLst>
   </p:cm>
 </p:cmLst>
 </file>
 
 <file path=ppt/comments/comment7.xml><?xml version="1.0" encoding="utf-8"?>
-<p:cmLst xmlns:a="http://schemas.openxmlformats.org/drawingml/2006/main" xmlns:r="http://schemas.openxmlformats.org/officeDocument/2006/relationships" xmlns:p="http://schemas.openxmlformats.org/presentationml/2006/main">
+<p:cmLst xmlns:r="http://schemas.openxmlformats.org/officeDocument/2006/relationships" xmlns:c="http://schemas.openxmlformats.org/drawingml/2006/chart" xmlns:a="http://schemas.openxmlformats.org/drawingml/2006/main" xmlns:dgm="http://schemas.openxmlformats.org/drawingml/2006/diagram" xmlns:dsp="http://schemas.microsoft.com/office/drawing/2008/diagram" xmlns:p="http://schemas.openxmlformats.org/presentationml/2006/main">
   <p:cm authorId="1" dt="2020-10-22T13:27:00.835" idx="8">
     <p:pos x="10" y="10"/>
     <p:text>프로젝트를 마치고..</p:text>
-    <p:extLst>
-      <p:ext uri="{C676402C-5697-4E1C-873F-D02D1690AC5C}">
-        <p15:threadingInfo xmlns:p15="http://schemas.microsoft.com/office/powerpoint/2012/main" timeZoneBias="-540"/>
-      </p:ext>
-    </p:extLst>
   </p:cm>
 </p:cmLst>
 </file>
@@ -5304,14 +5244,13 @@
 </file>
 
 <file path=ppt/slides/slide2.xml><?xml version="1.0" encoding="utf-8"?>
-<p:sld xmlns:a="http://schemas.openxmlformats.org/drawingml/2006/main" xmlns:r="http://schemas.openxmlformats.org/officeDocument/2006/relationships" xmlns:p="http://schemas.openxmlformats.org/presentationml/2006/main">
+<p:sld xmlns:r="http://schemas.openxmlformats.org/officeDocument/2006/relationships" xmlns:c="http://schemas.openxmlformats.org/drawingml/2006/chart" xmlns:a="http://schemas.openxmlformats.org/drawingml/2006/main" xmlns:dgm="http://schemas.openxmlformats.org/drawingml/2006/diagram" xmlns:dsp="http://schemas.microsoft.com/office/drawing/2008/diagram" xmlns:p="http://schemas.openxmlformats.org/presentationml/2006/main">
   <p:cSld>
     <p:bg>
-      <p:bgPr>
+      <p:bgPr shadeToTitle="0">
         <a:solidFill>
-          <a:srgbClr val="F2EFEA"/>
+          <a:srgbClr val="f2efea"/>
         </a:solidFill>
-        <a:effectLst/>
       </p:bgPr>
     </p:bg>
     <p:spTree>
@@ -5343,7 +5282,7 @@
             <a:avLst/>
           </a:prstGeom>
           <a:solidFill>
-            <a:srgbClr val="0B4877"/>
+            <a:srgbClr val="0b4877"/>
           </a:solidFill>
           <a:ln w="25400">
             <a:noFill/>
@@ -5371,19 +5310,21 @@
           </a:fontRef>
         </p:style>
         <p:txBody>
-          <a:bodyPr rtlCol="0" anchor="ctr"/>
+          <a:bodyPr anchor="ctr"/>
           <a:lstStyle/>
           <a:p>
-            <a:pPr algn="ctr"/>
+            <a:pPr algn="ctr">
+              <a:defRPr lang="ko-KR" altLang="en-US"/>
+            </a:pPr>
             <a:r>
-              <a:rPr lang="en-US" altLang="ko-KR" sz="2800" b="1" i="1" dirty="0" smtClean="0">
+              <a:rPr lang="en-US" altLang="ko-KR" sz="2800" b="1" i="1">
                 <a:solidFill>
                   <a:prstClr val="white"/>
                 </a:solidFill>
               </a:rPr>
               <a:t>INDEX</a:t>
             </a:r>
-            <a:endParaRPr lang="en-US" altLang="ko-KR" sz="700" i="1" dirty="0">
+            <a:endParaRPr lang="en-US" altLang="ko-KR" sz="700" i="1">
               <a:solidFill>
                 <a:prstClr val="white"/>
               </a:solidFill>
@@ -5399,10 +5340,10 @@
         </p:nvGrpSpPr>
         <p:grpSpPr>
           <a:xfrm rot="16200000">
-            <a:off x="9901074" y="1869992"/>
-            <a:ext cx="609241" cy="919097"/>
+            <a:off x="9298928" y="2081659"/>
+            <a:ext cx="609240" cy="919096"/>
             <a:chOff x="4558292" y="1447629"/>
-            <a:chExt cx="1344505" cy="1786940"/>
+            <a:chExt cx="1344504" cy="1786939"/>
           </a:xfrm>
         </p:grpSpPr>
         <p:sp>
@@ -5422,8 +5363,8 @@
               </a:avLst>
             </a:prstGeom>
             <a:solidFill>
-              <a:srgbClr val="EF746F">
-                <a:alpha val="92941"/>
+              <a:srgbClr val="ef746f">
+                <a:alpha val="92940"/>
               </a:srgbClr>
             </a:solidFill>
             <a:ln>
@@ -5447,10 +5388,12 @@
             </a:fontRef>
           </p:style>
           <p:txBody>
-            <a:bodyPr rtlCol="0" anchor="ctr"/>
+            <a:bodyPr anchor="ctr"/>
             <a:lstStyle/>
             <a:p>
-              <a:pPr algn="ctr"/>
+              <a:pPr algn="ctr">
+                <a:defRPr lang="ko-KR" altLang="en-US"/>
+              </a:pPr>
               <a:endParaRPr lang="ko-KR" altLang="en-US">
                 <a:solidFill>
                   <a:prstClr val="white"/>
@@ -5476,8 +5419,8 @@
               </a:avLst>
             </a:prstGeom>
             <a:solidFill>
-              <a:srgbClr val="EF746F">
-                <a:alpha val="92941"/>
+              <a:srgbClr val="ef746f">
+                <a:alpha val="92940"/>
               </a:srgbClr>
             </a:solidFill>
             <a:ln>
@@ -5501,10 +5444,12 @@
             </a:fontRef>
           </p:style>
           <p:txBody>
-            <a:bodyPr rtlCol="0" anchor="ctr"/>
+            <a:bodyPr anchor="ctr"/>
             <a:lstStyle/>
             <a:p>
-              <a:pPr algn="ctr"/>
+              <a:pPr algn="ctr">
+                <a:defRPr lang="ko-KR" altLang="en-US"/>
+              </a:pPr>
               <a:endParaRPr lang="ko-KR" altLang="en-US">
                 <a:solidFill>
                   <a:prstClr val="white"/>
@@ -5530,8 +5475,8 @@
               </a:avLst>
             </a:prstGeom>
             <a:solidFill>
-              <a:srgbClr val="EF746F">
-                <a:alpha val="92941"/>
+              <a:srgbClr val="ef746f">
+                <a:alpha val="92940"/>
               </a:srgbClr>
             </a:solidFill>
             <a:ln>
@@ -5555,10 +5500,12 @@
             </a:fontRef>
           </p:style>
           <p:txBody>
-            <a:bodyPr rtlCol="0" anchor="ctr"/>
+            <a:bodyPr anchor="ctr"/>
             <a:lstStyle/>
             <a:p>
-              <a:pPr algn="ctr"/>
+              <a:pPr algn="ctr">
+                <a:defRPr lang="ko-KR" altLang="en-US"/>
+              </a:pPr>
               <a:endParaRPr lang="ko-KR" altLang="en-US">
                 <a:solidFill>
                   <a:prstClr val="white"/>
@@ -5576,10 +5523,10 @@
         </p:nvGrpSpPr>
         <p:grpSpPr>
           <a:xfrm rot="5400000">
-            <a:off x="4801564" y="2147766"/>
+            <a:off x="4735330" y="2167008"/>
             <a:ext cx="601021" cy="927681"/>
-            <a:chOff x="3125915" y="2557511"/>
-            <a:chExt cx="1344504" cy="1786938"/>
+            <a:chOff x="3125915" y="2557510"/>
+            <a:chExt cx="1344504" cy="1786939"/>
           </a:xfrm>
         </p:grpSpPr>
         <p:sp>
@@ -5599,7 +5546,7 @@
               </a:avLst>
             </a:prstGeom>
             <a:solidFill>
-              <a:srgbClr val="0B4877">
+              <a:srgbClr val="0b4877">
                 <a:alpha val="93000"/>
               </a:srgbClr>
             </a:solidFill>
@@ -5624,10 +5571,12 @@
             </a:fontRef>
           </p:style>
           <p:txBody>
-            <a:bodyPr rtlCol="0" anchor="ctr"/>
+            <a:bodyPr anchor="ctr"/>
             <a:lstStyle/>
             <a:p>
-              <a:pPr algn="ctr"/>
+              <a:pPr algn="ctr">
+                <a:defRPr lang="ko-KR" altLang="en-US"/>
+              </a:pPr>
               <a:endParaRPr lang="ko-KR" altLang="en-US">
                 <a:solidFill>
                   <a:prstClr val="white"/>
@@ -5653,7 +5602,7 @@
               </a:avLst>
             </a:prstGeom>
             <a:solidFill>
-              <a:srgbClr val="0B4877">
+              <a:srgbClr val="0b4877">
                 <a:alpha val="93000"/>
               </a:srgbClr>
             </a:solidFill>
@@ -5678,10 +5627,12 @@
             </a:fontRef>
           </p:style>
           <p:txBody>
-            <a:bodyPr rtlCol="0" anchor="ctr"/>
+            <a:bodyPr anchor="ctr"/>
             <a:lstStyle/>
             <a:p>
-              <a:pPr algn="ctr"/>
+              <a:pPr algn="ctr">
+                <a:defRPr lang="ko-KR" altLang="en-US"/>
+              </a:pPr>
               <a:endParaRPr lang="ko-KR" altLang="en-US">
                 <a:solidFill>
                   <a:prstClr val="white"/>
@@ -5707,7 +5658,7 @@
               </a:avLst>
             </a:prstGeom>
             <a:solidFill>
-              <a:srgbClr val="0B4877">
+              <a:srgbClr val="0b4877">
                 <a:alpha val="93000"/>
               </a:srgbClr>
             </a:solidFill>
@@ -5732,10 +5683,12 @@
             </a:fontRef>
           </p:style>
           <p:txBody>
-            <a:bodyPr rtlCol="0" anchor="ctr"/>
+            <a:bodyPr anchor="ctr"/>
             <a:lstStyle/>
             <a:p>
-              <a:pPr algn="ctr"/>
+              <a:pPr algn="ctr">
+                <a:defRPr lang="ko-KR" altLang="en-US"/>
+              </a:pPr>
               <a:endParaRPr lang="ko-KR" altLang="en-US">
                 <a:solidFill>
                   <a:prstClr val="white"/>
@@ -5776,7 +5729,7 @@
               </a:avLst>
             </a:prstGeom>
             <a:solidFill>
-              <a:srgbClr val="0B4877">
+              <a:srgbClr val="0b4877">
                 <a:alpha val="93000"/>
               </a:srgbClr>
             </a:solidFill>
@@ -5801,10 +5754,12 @@
             </a:fontRef>
           </p:style>
           <p:txBody>
-            <a:bodyPr rtlCol="0" anchor="ctr"/>
+            <a:bodyPr anchor="ctr"/>
             <a:lstStyle/>
             <a:p>
-              <a:pPr algn="ctr"/>
+              <a:pPr algn="ctr">
+                <a:defRPr lang="ko-KR" altLang="en-US"/>
+              </a:pPr>
               <a:endParaRPr lang="ko-KR" altLang="en-US">
                 <a:solidFill>
                   <a:prstClr val="white"/>
@@ -5830,7 +5785,7 @@
               </a:avLst>
             </a:prstGeom>
             <a:solidFill>
-              <a:srgbClr val="0B4877">
+              <a:srgbClr val="0b4877">
                 <a:alpha val="93000"/>
               </a:srgbClr>
             </a:solidFill>
@@ -5855,10 +5810,12 @@
             </a:fontRef>
           </p:style>
           <p:txBody>
-            <a:bodyPr rtlCol="0" anchor="ctr"/>
+            <a:bodyPr anchor="ctr"/>
             <a:lstStyle/>
             <a:p>
-              <a:pPr algn="ctr"/>
+              <a:pPr algn="ctr">
+                <a:defRPr lang="ko-KR" altLang="en-US"/>
+              </a:pPr>
               <a:endParaRPr lang="ko-KR" altLang="en-US">
                 <a:solidFill>
                   <a:prstClr val="white"/>
@@ -5884,7 +5841,7 @@
               </a:avLst>
             </a:prstGeom>
             <a:solidFill>
-              <a:srgbClr val="0B4877">
+              <a:srgbClr val="0b4877">
                 <a:alpha val="93000"/>
               </a:srgbClr>
             </a:solidFill>
@@ -5909,10 +5866,12 @@
             </a:fontRef>
           </p:style>
           <p:txBody>
-            <a:bodyPr rtlCol="0" anchor="ctr"/>
+            <a:bodyPr anchor="ctr"/>
             <a:lstStyle/>
             <a:p>
-              <a:pPr algn="ctr"/>
+              <a:pPr algn="ctr">
+                <a:defRPr lang="ko-KR" altLang="en-US"/>
+              </a:pPr>
               <a:endParaRPr lang="ko-KR" altLang="en-US">
                 <a:solidFill>
                   <a:prstClr val="white"/>
@@ -5930,10 +5889,10 @@
         </p:nvGrpSpPr>
         <p:grpSpPr>
           <a:xfrm rot="16200000">
-            <a:off x="8577757" y="4437989"/>
-            <a:ext cx="609241" cy="919097"/>
+            <a:off x="8379831" y="4457231"/>
+            <a:ext cx="609240" cy="919096"/>
             <a:chOff x="4558292" y="1447629"/>
-            <a:chExt cx="1344505" cy="1786940"/>
+            <a:chExt cx="1344504" cy="1786939"/>
           </a:xfrm>
         </p:grpSpPr>
         <p:sp>
@@ -5953,8 +5912,8 @@
               </a:avLst>
             </a:prstGeom>
             <a:solidFill>
-              <a:srgbClr val="EF746F">
-                <a:alpha val="92941"/>
+              <a:srgbClr val="ef746f">
+                <a:alpha val="92940"/>
               </a:srgbClr>
             </a:solidFill>
             <a:ln>
@@ -5978,10 +5937,12 @@
             </a:fontRef>
           </p:style>
           <p:txBody>
-            <a:bodyPr rtlCol="0" anchor="ctr"/>
+            <a:bodyPr anchor="ctr"/>
             <a:lstStyle/>
             <a:p>
-              <a:pPr algn="ctr"/>
+              <a:pPr algn="ctr">
+                <a:defRPr lang="ko-KR" altLang="en-US"/>
+              </a:pPr>
               <a:endParaRPr lang="ko-KR" altLang="en-US">
                 <a:solidFill>
                   <a:prstClr val="white"/>
@@ -6007,8 +5968,8 @@
               </a:avLst>
             </a:prstGeom>
             <a:solidFill>
-              <a:srgbClr val="EF746F">
-                <a:alpha val="92941"/>
+              <a:srgbClr val="ef746f">
+                <a:alpha val="92940"/>
               </a:srgbClr>
             </a:solidFill>
             <a:ln>
@@ -6032,10 +5993,12 @@
             </a:fontRef>
           </p:style>
           <p:txBody>
-            <a:bodyPr rtlCol="0" anchor="ctr"/>
+            <a:bodyPr anchor="ctr"/>
             <a:lstStyle/>
             <a:p>
-              <a:pPr algn="ctr"/>
+              <a:pPr algn="ctr">
+                <a:defRPr lang="ko-KR" altLang="en-US"/>
+              </a:pPr>
               <a:endParaRPr lang="ko-KR" altLang="en-US">
                 <a:solidFill>
                   <a:prstClr val="white"/>
@@ -6061,8 +6024,8 @@
               </a:avLst>
             </a:prstGeom>
             <a:solidFill>
-              <a:srgbClr val="EF746F">
-                <a:alpha val="92941"/>
+              <a:srgbClr val="ef746f">
+                <a:alpha val="92940"/>
               </a:srgbClr>
             </a:solidFill>
             <a:ln>
@@ -6086,10 +6049,12 @@
             </a:fontRef>
           </p:style>
           <p:txBody>
-            <a:bodyPr rtlCol="0" anchor="ctr"/>
+            <a:bodyPr anchor="ctr"/>
             <a:lstStyle/>
             <a:p>
-              <a:pPr algn="ctr"/>
+              <a:pPr algn="ctr">
+                <a:defRPr lang="ko-KR" altLang="en-US"/>
+              </a:pPr>
               <a:endParaRPr lang="ko-KR" altLang="en-US">
                 <a:solidFill>
                   <a:prstClr val="white"/>
@@ -6106,7 +6071,7 @@
           <p:nvPr/>
         </p:nvGrpSpPr>
         <p:grpSpPr>
-          <a:xfrm>
+          <a:xfrm rot="0">
             <a:off x="1705780" y="2085341"/>
             <a:ext cx="1907649" cy="1143270"/>
             <a:chOff x="443258" y="2785961"/>
@@ -6122,7 +6087,7 @@
           <p:spPr>
             <a:xfrm>
               <a:off x="443258" y="2785961"/>
-              <a:ext cx="1220277" cy="553998"/>
+              <a:ext cx="1220277" cy="541654"/>
             </a:xfrm>
             <a:prstGeom prst="rect">
               <a:avLst/>
@@ -6130,7 +6095,7 @@
             <a:noFill/>
           </p:spPr>
           <p:txBody>
-            <a:bodyPr wrap="square" rtlCol="0">
+            <a:bodyPr wrap="square">
               <a:spAutoFit/>
             </a:bodyPr>
             <a:lstStyle/>
@@ -6139,9 +6104,10 @@
                 <a:lnSpc>
                   <a:spcPct val="150000"/>
                 </a:lnSpc>
+                <a:defRPr lang="ko-KR" altLang="en-US"/>
               </a:pPr>
               <a:r>
-                <a:rPr lang="ko-KR" altLang="en-US" sz="2000" b="1" dirty="0" smtClean="0">
+                <a:rPr lang="ko-KR" altLang="en-US" sz="2000" b="1">
                   <a:solidFill>
                     <a:prstClr val="black">
                       <a:lumMod val="75000"/>
@@ -6151,6 +6117,14 @@
                 </a:rPr>
                 <a:t>조원소개</a:t>
               </a:r>
+              <a:endParaRPr lang="ko-KR" altLang="en-US" sz="2000" b="1">
+                <a:solidFill>
+                  <a:prstClr val="black">
+                    <a:lumMod val="75000"/>
+                    <a:lumOff val="25000"/>
+                  </a:prstClr>
+                </a:solidFill>
+              </a:endParaRPr>
             </a:p>
           </p:txBody>
         </p:sp>
@@ -6161,7 +6135,7 @@
             <p:nvPr/>
           </p:nvGrpSpPr>
           <p:grpSpPr>
-            <a:xfrm>
+            <a:xfrm rot="0">
               <a:off x="1243335" y="2825467"/>
               <a:ext cx="1107572" cy="1103764"/>
               <a:chOff x="1707350" y="1941634"/>
@@ -6188,9 +6162,9 @@
               <a:noFill/>
               <a:ln w="25400" cap="rnd">
                 <a:solidFill>
-                  <a:srgbClr val="EF746F"/>
+                  <a:srgbClr val="ef746f"/>
                 </a:solidFill>
-                <a:miter lim="800000"/>
+                <a:miter/>
               </a:ln>
               <a:effectLst/>
             </p:spPr>
@@ -6209,10 +6183,12 @@
               </a:fontRef>
             </p:style>
             <p:txBody>
-              <a:bodyPr rtlCol="0" anchor="ctr"/>
+              <a:bodyPr anchor="ctr"/>
               <a:lstStyle/>
               <a:p>
-                <a:pPr algn="ctr"/>
+                <a:pPr algn="ctr">
+                  <a:defRPr lang="ko-KR" altLang="en-US"/>
+                </a:pPr>
                 <a:endParaRPr lang="ko-KR" altLang="en-US" sz="2800">
                   <a:solidFill>
                     <a:prstClr val="black">
@@ -6242,13 +6218,13 @@
                 </a:avLst>
               </a:prstGeom>
               <a:solidFill>
-                <a:srgbClr val="FBB9B9">
+                <a:srgbClr val="fbb9b9">
                   <a:alpha val="63000"/>
                 </a:srgbClr>
               </a:solidFill>
               <a:ln w="53975" cap="rnd">
                 <a:noFill/>
-                <a:miter lim="800000"/>
+                <a:miter/>
               </a:ln>
               <a:effectLst/>
             </p:spPr>
@@ -6267,10 +6243,12 @@
               </a:fontRef>
             </p:style>
             <p:txBody>
-              <a:bodyPr rtlCol="0" anchor="ctr"/>
+              <a:bodyPr anchor="ctr"/>
               <a:lstStyle/>
               <a:p>
-                <a:pPr algn="ctr"/>
+                <a:pPr algn="ctr">
+                  <a:defRPr lang="ko-KR" altLang="en-US"/>
+                </a:pPr>
                 <a:endParaRPr lang="ko-KR" altLang="en-US" sz="2800">
                   <a:solidFill>
                     <a:prstClr val="black">
@@ -6291,7 +6269,7 @@
           <p:nvPr/>
         </p:nvGrpSpPr>
         <p:grpSpPr>
-          <a:xfrm>
+          <a:xfrm rot="0">
             <a:off x="612607" y="4343540"/>
             <a:ext cx="1937547" cy="1141724"/>
             <a:chOff x="5266025" y="2787507"/>
@@ -6307,7 +6285,7 @@
           <p:spPr>
             <a:xfrm>
               <a:off x="5266025" y="2787507"/>
-              <a:ext cx="1476876" cy="553998"/>
+              <a:ext cx="1476876" cy="540880"/>
             </a:xfrm>
             <a:prstGeom prst="rect">
               <a:avLst/>
@@ -6315,7 +6293,7 @@
             <a:noFill/>
           </p:spPr>
           <p:txBody>
-            <a:bodyPr wrap="square" rtlCol="0">
+            <a:bodyPr wrap="square">
               <a:spAutoFit/>
             </a:bodyPr>
             <a:lstStyle/>
@@ -6324,9 +6302,10 @@
                 <a:lnSpc>
                   <a:spcPct val="150000"/>
                 </a:lnSpc>
+                <a:defRPr lang="ko-KR" altLang="en-US"/>
               </a:pPr>
               <a:r>
-                <a:rPr lang="ko-KR" altLang="en-US" sz="2000" b="1" dirty="0" smtClean="0">
+                <a:rPr lang="ko-KR" altLang="en-US" sz="2000" b="1">
                   <a:solidFill>
                     <a:prstClr val="black">
                       <a:lumMod val="75000"/>
@@ -6336,7 +6315,7 @@
                 </a:rPr>
                 <a:t>개발 환경</a:t>
               </a:r>
-              <a:endParaRPr lang="ko-KR" altLang="en-US" sz="2000" dirty="0"/>
+              <a:endParaRPr lang="ko-KR" altLang="en-US" sz="2000"/>
             </a:p>
           </p:txBody>
         </p:sp>
@@ -6347,7 +6326,7 @@
             <p:nvPr/>
           </p:nvGrpSpPr>
           <p:grpSpPr>
-            <a:xfrm>
+            <a:xfrm rot="0">
               <a:off x="6096000" y="2825467"/>
               <a:ext cx="1107572" cy="1103764"/>
               <a:chOff x="1707350" y="1941634"/>
@@ -6374,9 +6353,9 @@
               <a:noFill/>
               <a:ln w="25400" cap="rnd">
                 <a:solidFill>
-                  <a:srgbClr val="EF746F"/>
+                  <a:srgbClr val="ef746f"/>
                 </a:solidFill>
-                <a:miter lim="800000"/>
+                <a:miter/>
               </a:ln>
               <a:effectLst/>
             </p:spPr>
@@ -6395,10 +6374,12 @@
               </a:fontRef>
             </p:style>
             <p:txBody>
-              <a:bodyPr rtlCol="0" anchor="ctr"/>
+              <a:bodyPr anchor="ctr"/>
               <a:lstStyle/>
               <a:p>
-                <a:pPr algn="ctr"/>
+                <a:pPr algn="ctr">
+                  <a:defRPr lang="ko-KR" altLang="en-US"/>
+                </a:pPr>
                 <a:endParaRPr lang="ko-KR" altLang="en-US" sz="2800">
                   <a:solidFill>
                     <a:prstClr val="black">
@@ -6424,17 +6405,17 @@
               <a:prstGeom prst="arc">
                 <a:avLst>
                   <a:gd name="adj1" fmla="val 16200000"/>
-                  <a:gd name="adj2" fmla="val 3967999"/>
+                  <a:gd name="adj2" fmla="val 5454895"/>
                 </a:avLst>
               </a:prstGeom>
               <a:solidFill>
-                <a:srgbClr val="FBB9B9">
+                <a:srgbClr val="fbb9b9">
                   <a:alpha val="63000"/>
                 </a:srgbClr>
               </a:solidFill>
               <a:ln w="53975" cap="rnd">
                 <a:noFill/>
-                <a:miter lim="800000"/>
+                <a:miter/>
               </a:ln>
               <a:effectLst/>
             </p:spPr>
@@ -6453,10 +6434,12 @@
               </a:fontRef>
             </p:style>
             <p:txBody>
-              <a:bodyPr rtlCol="0" anchor="ctr"/>
+              <a:bodyPr anchor="ctr"/>
               <a:lstStyle/>
               <a:p>
-                <a:pPr algn="ctr"/>
+                <a:pPr algn="ctr">
+                  <a:defRPr lang="ko-KR" altLang="en-US"/>
+                </a:pPr>
                 <a:endParaRPr lang="ko-KR" altLang="en-US" sz="2800">
                   <a:solidFill>
                     <a:prstClr val="black">
@@ -6477,7 +6460,7 @@
           <p:nvPr/>
         </p:nvGrpSpPr>
         <p:grpSpPr>
-          <a:xfrm>
+          <a:xfrm rot="0">
             <a:off x="6282025" y="2013689"/>
             <a:ext cx="1907649" cy="1143270"/>
             <a:chOff x="2770742" y="2785961"/>
@@ -6501,7 +6484,7 @@
             <a:noFill/>
           </p:spPr>
           <p:txBody>
-            <a:bodyPr wrap="square" rtlCol="0">
+            <a:bodyPr wrap="square">
               <a:spAutoFit/>
             </a:bodyPr>
             <a:lstStyle/>
@@ -6510,9 +6493,10 @@
                 <a:lnSpc>
                   <a:spcPct val="150000"/>
                 </a:lnSpc>
+                <a:defRPr lang="ko-KR" altLang="en-US"/>
               </a:pPr>
               <a:r>
-                <a:rPr lang="ko-KR" altLang="en-US" sz="2000" b="1" dirty="0" smtClean="0">
+                <a:rPr lang="ko-KR" altLang="en-US" sz="2000" b="1">
                   <a:solidFill>
                     <a:prstClr val="black">
                       <a:lumMod val="75000"/>
@@ -6522,7 +6506,7 @@
                 </a:rPr>
                 <a:t>기획 동기</a:t>
               </a:r>
-              <a:endParaRPr lang="ko-KR" altLang="en-US" sz="2000" dirty="0"/>
+              <a:endParaRPr lang="ko-KR" altLang="en-US" sz="2000"/>
             </a:p>
           </p:txBody>
         </p:sp>
@@ -6533,7 +6517,7 @@
             <p:nvPr/>
           </p:nvGrpSpPr>
           <p:grpSpPr>
-            <a:xfrm>
+            <a:xfrm rot="0">
               <a:off x="3570819" y="2825467"/>
               <a:ext cx="1107572" cy="1103764"/>
               <a:chOff x="1707350" y="1941634"/>
@@ -6560,9 +6544,9 @@
               <a:noFill/>
               <a:ln w="25400" cap="rnd">
                 <a:solidFill>
-                  <a:srgbClr val="EF746F"/>
+                  <a:srgbClr val="ef746f"/>
                 </a:solidFill>
-                <a:miter lim="800000"/>
+                <a:miter/>
               </a:ln>
               <a:effectLst/>
             </p:spPr>
@@ -6581,10 +6565,12 @@
               </a:fontRef>
             </p:style>
             <p:txBody>
-              <a:bodyPr rtlCol="0" anchor="ctr"/>
+              <a:bodyPr anchor="ctr"/>
               <a:lstStyle/>
               <a:p>
-                <a:pPr algn="ctr"/>
+                <a:pPr algn="ctr">
+                  <a:defRPr lang="ko-KR" altLang="en-US"/>
+                </a:pPr>
                 <a:endParaRPr lang="ko-KR" altLang="en-US" sz="2800">
                   <a:solidFill>
                     <a:prstClr val="black">
@@ -6610,17 +6596,17 @@
               <a:prstGeom prst="arc">
                 <a:avLst>
                   <a:gd name="adj1" fmla="val 16200000"/>
-                  <a:gd name="adj2" fmla="val 1577931"/>
+                  <a:gd name="adj2" fmla="val 2318503"/>
                 </a:avLst>
               </a:prstGeom>
               <a:solidFill>
-                <a:srgbClr val="FBB9B9">
+                <a:srgbClr val="fbb9b9">
                   <a:alpha val="63000"/>
                 </a:srgbClr>
               </a:solidFill>
               <a:ln w="53975" cap="rnd">
                 <a:noFill/>
-                <a:miter lim="800000"/>
+                <a:miter/>
               </a:ln>
               <a:effectLst/>
             </p:spPr>
@@ -6639,10 +6625,12 @@
               </a:fontRef>
             </p:style>
             <p:txBody>
-              <a:bodyPr rtlCol="0" anchor="ctr"/>
+              <a:bodyPr anchor="ctr"/>
               <a:lstStyle/>
               <a:p>
-                <a:pPr algn="ctr"/>
+                <a:pPr algn="ctr">
+                  <a:defRPr lang="ko-KR" altLang="en-US"/>
+                </a:pPr>
                 <a:endParaRPr lang="ko-KR" altLang="en-US" sz="2800">
                   <a:solidFill>
                     <a:prstClr val="black">
@@ -6663,7 +6651,7 @@
           <p:nvPr/>
         </p:nvGrpSpPr>
         <p:grpSpPr>
-          <a:xfrm>
+          <a:xfrm rot="0">
             <a:off x="4895909" y="4411662"/>
             <a:ext cx="2400182" cy="1150624"/>
             <a:chOff x="7571955" y="2778606"/>
@@ -6679,7 +6667,7 @@
           <p:spPr>
             <a:xfrm>
               <a:off x="7571955" y="2778606"/>
-              <a:ext cx="1886081" cy="553998"/>
+              <a:ext cx="1886080" cy="539433"/>
             </a:xfrm>
             <a:prstGeom prst="rect">
               <a:avLst/>
@@ -6687,7 +6675,7 @@
             <a:noFill/>
           </p:spPr>
           <p:txBody>
-            <a:bodyPr wrap="square" rtlCol="0">
+            <a:bodyPr wrap="square">
               <a:spAutoFit/>
             </a:bodyPr>
             <a:lstStyle/>
@@ -6696,9 +6684,10 @@
                 <a:lnSpc>
                   <a:spcPct val="150000"/>
                 </a:lnSpc>
+                <a:defRPr lang="ko-KR" altLang="en-US"/>
               </a:pPr>
               <a:r>
-                <a:rPr lang="ko-KR" altLang="en-US" sz="2000" b="1" dirty="0" smtClean="0">
+                <a:rPr lang="ko-KR" altLang="en-US" sz="2000" b="1">
                   <a:solidFill>
                     <a:prstClr val="black">
                       <a:lumMod val="75000"/>
@@ -6708,7 +6697,7 @@
                 </a:rPr>
                 <a:t>프로젝트 일정</a:t>
               </a:r>
-              <a:endParaRPr lang="ko-KR" altLang="en-US" sz="2000" dirty="0"/>
+              <a:endParaRPr lang="ko-KR" altLang="en-US" sz="2000"/>
             </a:p>
           </p:txBody>
         </p:sp>
@@ -6719,7 +6708,7 @@
             <p:nvPr/>
           </p:nvGrpSpPr>
           <p:grpSpPr>
-            <a:xfrm>
+            <a:xfrm rot="0">
               <a:off x="8864565" y="2825466"/>
               <a:ext cx="1107572" cy="1103764"/>
               <a:chOff x="1707350" y="1941634"/>
@@ -6746,9 +6735,9 @@
               <a:noFill/>
               <a:ln w="25400" cap="rnd">
                 <a:solidFill>
-                  <a:srgbClr val="EF746F"/>
+                  <a:srgbClr val="ef746f"/>
                 </a:solidFill>
-                <a:miter lim="800000"/>
+                <a:miter/>
               </a:ln>
               <a:effectLst/>
             </p:spPr>
@@ -6767,10 +6756,12 @@
               </a:fontRef>
             </p:style>
             <p:txBody>
-              <a:bodyPr rtlCol="0" anchor="ctr"/>
+              <a:bodyPr anchor="ctr"/>
               <a:lstStyle/>
               <a:p>
-                <a:pPr algn="ctr"/>
+                <a:pPr algn="ctr">
+                  <a:defRPr lang="ko-KR" altLang="en-US"/>
+                </a:pPr>
                 <a:endParaRPr lang="ko-KR" altLang="en-US" sz="2800">
                   <a:solidFill>
                     <a:prstClr val="black">
@@ -6796,17 +6787,17 @@
               <a:prstGeom prst="arc">
                 <a:avLst>
                   <a:gd name="adj1" fmla="val 16200000"/>
-                  <a:gd name="adj2" fmla="val 7353253"/>
+                  <a:gd name="adj2" fmla="val 8183226"/>
                 </a:avLst>
               </a:prstGeom>
               <a:solidFill>
-                <a:srgbClr val="FBB9B9">
+                <a:srgbClr val="fbb9b9">
                   <a:alpha val="63000"/>
                 </a:srgbClr>
               </a:solidFill>
               <a:ln w="53975" cap="rnd">
                 <a:noFill/>
-                <a:miter lim="800000"/>
+                <a:miter/>
               </a:ln>
               <a:effectLst/>
             </p:spPr>
@@ -6825,10 +6816,12 @@
               </a:fontRef>
             </p:style>
             <p:txBody>
-              <a:bodyPr rtlCol="0" anchor="ctr"/>
+              <a:bodyPr anchor="ctr"/>
               <a:lstStyle/>
               <a:p>
-                <a:pPr algn="ctr"/>
+                <a:pPr algn="ctr">
+                  <a:defRPr lang="ko-KR" altLang="en-US"/>
+                </a:pPr>
                 <a:endParaRPr lang="ko-KR" altLang="en-US" sz="2800">
                   <a:solidFill>
                     <a:prstClr val="black">
@@ -6849,7 +6842,7 @@
           <p:nvPr/>
         </p:nvGrpSpPr>
         <p:grpSpPr>
-          <a:xfrm>
+          <a:xfrm rot="0">
             <a:off x="9427883" y="4341551"/>
             <a:ext cx="2422660" cy="1143713"/>
             <a:chOff x="10071800" y="2781219"/>
@@ -6864,8 +6857,8 @@
           </p:nvSpPr>
           <p:spPr>
             <a:xfrm>
-              <a:off x="10071800" y="2781219"/>
-              <a:ext cx="1829189" cy="553998"/>
+              <a:off x="10071799" y="2781219"/>
+              <a:ext cx="1829189" cy="542869"/>
             </a:xfrm>
             <a:prstGeom prst="rect">
               <a:avLst/>
@@ -6873,7 +6866,7 @@
             <a:noFill/>
           </p:spPr>
           <p:txBody>
-            <a:bodyPr wrap="square" rtlCol="0">
+            <a:bodyPr wrap="square">
               <a:spAutoFit/>
             </a:bodyPr>
             <a:lstStyle/>
@@ -6882,9 +6875,10 @@
                 <a:lnSpc>
                   <a:spcPct val="150000"/>
                 </a:lnSpc>
+                <a:defRPr lang="ko-KR" altLang="en-US"/>
               </a:pPr>
               <a:r>
-                <a:rPr lang="ko-KR" altLang="en-US" sz="2000" b="1" dirty="0" smtClean="0">
+                <a:rPr lang="ko-KR" altLang="en-US" sz="2000" b="1">
                   <a:solidFill>
                     <a:prstClr val="black">
                       <a:lumMod val="75000"/>
@@ -6894,7 +6888,7 @@
                 </a:rPr>
                 <a:t>프로젝트 내용</a:t>
               </a:r>
-              <a:endParaRPr lang="ko-KR" altLang="en-US" sz="2000" dirty="0"/>
+              <a:endParaRPr lang="ko-KR" altLang="en-US" sz="2000"/>
             </a:p>
           </p:txBody>
         </p:sp>
@@ -6905,7 +6899,7 @@
             <p:nvPr/>
           </p:nvGrpSpPr>
           <p:grpSpPr>
-            <a:xfrm>
+            <a:xfrm rot="0">
               <a:off x="11386888" y="2821168"/>
               <a:ext cx="1107572" cy="1103764"/>
               <a:chOff x="1707350" y="1941634"/>
@@ -6932,9 +6926,9 @@
               <a:noFill/>
               <a:ln w="25400" cap="rnd">
                 <a:solidFill>
-                  <a:srgbClr val="EF746F"/>
+                  <a:srgbClr val="ef746f"/>
                 </a:solidFill>
-                <a:miter lim="800000"/>
+                <a:miter/>
               </a:ln>
               <a:effectLst/>
             </p:spPr>
@@ -6953,10 +6947,12 @@
               </a:fontRef>
             </p:style>
             <p:txBody>
-              <a:bodyPr rtlCol="0" anchor="ctr"/>
+              <a:bodyPr anchor="ctr"/>
               <a:lstStyle/>
               <a:p>
-                <a:pPr algn="ctr"/>
+                <a:pPr algn="ctr">
+                  <a:defRPr lang="ko-KR" altLang="en-US"/>
+                </a:pPr>
                 <a:endParaRPr lang="ko-KR" altLang="en-US" sz="2800">
                   <a:solidFill>
                     <a:prstClr val="black">
@@ -6981,18 +6977,18 @@
               </a:xfrm>
               <a:prstGeom prst="arc">
                 <a:avLst>
-                  <a:gd name="adj1" fmla="val 16200000"/>
-                  <a:gd name="adj2" fmla="val 11534423"/>
+                  <a:gd name="adj1" fmla="val 15198486"/>
+                  <a:gd name="adj2" fmla="val 10791548"/>
                 </a:avLst>
               </a:prstGeom>
               <a:solidFill>
-                <a:srgbClr val="FBB9B9">
+                <a:srgbClr val="fbb9b9">
                   <a:alpha val="63000"/>
                 </a:srgbClr>
               </a:solidFill>
               <a:ln w="53975" cap="rnd">
                 <a:noFill/>
-                <a:miter lim="800000"/>
+                <a:miter/>
               </a:ln>
               <a:effectLst/>
             </p:spPr>
@@ -7011,10 +7007,12 @@
               </a:fontRef>
             </p:style>
             <p:txBody>
-              <a:bodyPr rtlCol="0" anchor="ctr"/>
+              <a:bodyPr anchor="ctr"/>
               <a:lstStyle/>
               <a:p>
-                <a:pPr algn="ctr"/>
+                <a:pPr algn="ctr">
+                  <a:defRPr lang="ko-KR" altLang="en-US"/>
+                </a:pPr>
                 <a:endParaRPr lang="ko-KR" altLang="en-US" sz="2800">
                   <a:solidFill>
                     <a:prstClr val="black">
@@ -7029,15 +7027,18 @@
         </p:grpSp>
       </p:grpSp>
     </p:spTree>
-    <p:extLst>
-      <p:ext uri="{BB962C8B-B14F-4D97-AF65-F5344CB8AC3E}">
-        <p14:creationId xmlns:p14="http://schemas.microsoft.com/office/powerpoint/2010/main" val="2202641920"/>
-      </p:ext>
-    </p:extLst>
   </p:cSld>
   <p:clrMapOvr>
     <a:masterClrMapping/>
   </p:clrMapOvr>
+  <mc:AlternateContent xmlns:mc="http://schemas.openxmlformats.org/markup-compatibility/2006">
+    <mc:Choice xmlns:p14="http://schemas.microsoft.com/office/powerpoint/2010/main" Requires="p14">
+      <p:transition xmlns:mc="http://schemas.openxmlformats.org/markup-compatibility/2006" xmlns:p14="http://schemas.microsoft.com/office/powerpoint/2010/main" mc:Ignorable="p14" p14:dur="500"/>
+    </mc:Choice>
+    <mc:Fallback>
+      <p:transition/>
+    </mc:Fallback>
+  </mc:AlternateContent>
   <p:timing>
     <p:tnLst>
       <p:par>
@@ -24486,14 +24487,13 @@
 </file>
 
 <file path=ppt/slides/slide6.xml><?xml version="1.0" encoding="utf-8"?>
-<p:sld xmlns:a="http://schemas.openxmlformats.org/drawingml/2006/main" xmlns:r="http://schemas.openxmlformats.org/officeDocument/2006/relationships" xmlns:p="http://schemas.openxmlformats.org/presentationml/2006/main">
+<p:sld xmlns:r="http://schemas.openxmlformats.org/officeDocument/2006/relationships" xmlns:c="http://schemas.openxmlformats.org/drawingml/2006/chart" xmlns:a="http://schemas.openxmlformats.org/drawingml/2006/main" xmlns:dgm="http://schemas.openxmlformats.org/drawingml/2006/diagram" xmlns:dsp="http://schemas.microsoft.com/office/drawing/2008/diagram" xmlns:p="http://schemas.openxmlformats.org/presentationml/2006/main">
   <p:cSld>
     <p:bg>
-      <p:bgPr>
+      <p:bgPr shadeToTitle="0">
         <a:solidFill>
-          <a:srgbClr val="F2EFEA"/>
+          <a:srgbClr val="f2efea"/>
         </a:solidFill>
-        <a:effectLst/>
       </p:bgPr>
     </p:bg>
     <p:spTree>
@@ -24525,7 +24525,7 @@
             <a:avLst/>
           </a:prstGeom>
           <a:solidFill>
-            <a:srgbClr val="0B4877"/>
+            <a:srgbClr val="0b4877"/>
           </a:solidFill>
           <a:ln w="25400">
             <a:noFill/>
@@ -24553,12 +24553,14 @@
           </a:fontRef>
         </p:style>
         <p:txBody>
-          <a:bodyPr rtlCol="0" anchor="ctr"/>
+          <a:bodyPr anchor="ctr"/>
           <a:lstStyle/>
           <a:p>
-            <a:pPr algn="ctr"/>
+            <a:pPr algn="ctr">
+              <a:defRPr lang="ko-KR" altLang="en-US"/>
+            </a:pPr>
             <a:r>
-              <a:rPr lang="en-US" altLang="ko-KR" sz="2800" i="1" dirty="0">
+              <a:rPr lang="en-US" altLang="ko-KR" sz="2800" i="1">
                 <a:solidFill>
                   <a:prstClr val="white"/>
                 </a:solidFill>
@@ -24566,44 +24568,47 @@
               <a:t>PPT </a:t>
             </a:r>
             <a:r>
-              <a:rPr lang="en-US" altLang="ko-KR" sz="2800" b="1" i="1" dirty="0">
+              <a:rPr lang="en-US" altLang="ko-KR" sz="2800" b="1" i="1">
                 <a:solidFill>
                   <a:prstClr val="white"/>
                 </a:solidFill>
               </a:rPr>
               <a:t>PRESENTATION</a:t>
             </a:r>
+            <a:endParaRPr lang="en-US" altLang="ko-KR" sz="2800" b="1" i="1">
+              <a:solidFill>
+                <a:prstClr val="white"/>
+              </a:solidFill>
+            </a:endParaRPr>
           </a:p>
           <a:p>
             <a:pPr algn="ctr">
               <a:lnSpc>
                 <a:spcPct val="150000"/>
               </a:lnSpc>
+              <a:defRPr lang="ko-KR" altLang="en-US"/>
             </a:pPr>
             <a:r>
-              <a:rPr lang="en-US" altLang="ko-KR" sz="700" i="1" dirty="0">
+              <a:rPr lang="en-US" altLang="ko-KR" sz="700" i="1">
                 <a:solidFill>
                   <a:prstClr val="white"/>
                 </a:solidFill>
               </a:rPr>
               <a:t>Enjoy your stylish business and campus life with BIZCAM </a:t>
             </a:r>
+            <a:endParaRPr lang="en-US" altLang="ko-KR" sz="700" i="1">
+              <a:solidFill>
+                <a:prstClr val="white"/>
+              </a:solidFill>
+            </a:endParaRPr>
           </a:p>
         </p:txBody>
       </p:sp>
       <p:graphicFrame>
         <p:nvGraphicFramePr>
-          <p:cNvPr id="94" name="차트 93">
-            <a:extLst>
-              <a:ext uri="{FF2B5EF4-FFF2-40B4-BE49-F238E27FC236}">
-                <a16:creationId xmlns:a16="http://schemas.microsoft.com/office/drawing/2014/main" xmlns="" id="{DE9E9F55-2344-49D3-8325-DD6E6DEDC5CB}"/>
-              </a:ext>
-            </a:extLst>
-          </p:cNvPr>
+          <p:cNvPr id="94" name="차트 93"/>
           <p:cNvGraphicFramePr/>
-          <p:nvPr>
-            <p:extLst/>
-          </p:nvPr>
+          <p:nvPr/>
         </p:nvGraphicFramePr>
         <p:xfrm>
           <a:off x="912586" y="1843314"/>
@@ -24611,7 +24616,7 @@
         </p:xfrm>
         <a:graphic>
           <a:graphicData uri="http://schemas.openxmlformats.org/drawingml/2006/chart">
-            <c:chart xmlns:c="http://schemas.openxmlformats.org/drawingml/2006/chart" xmlns:r="http://schemas.openxmlformats.org/officeDocument/2006/relationships" r:id="rId2"/>
+            <c:chart r:id="rId3"/>
           </a:graphicData>
         </a:graphic>
       </p:graphicFrame>
@@ -24632,7 +24637,7 @@
           <a:noFill/>
           <a:ln w="28575">
             <a:solidFill>
-              <a:srgbClr val="0B4877"/>
+              <a:srgbClr val="0b4877"/>
             </a:solidFill>
             <a:prstDash val="solid"/>
           </a:ln>
@@ -24654,10 +24659,12 @@
           </a:fontRef>
         </p:style>
         <p:txBody>
-          <a:bodyPr rtlCol="0" anchor="ctr"/>
+          <a:bodyPr anchor="ctr"/>
           <a:lstStyle/>
           <a:p>
-            <a:pPr algn="ctr"/>
+            <a:pPr algn="ctr">
+              <a:defRPr lang="ko-KR" altLang="en-US"/>
+            </a:pPr>
             <a:endParaRPr lang="ko-KR" altLang="en-US">
               <a:solidFill>
                 <a:prstClr val="white"/>
@@ -24675,7 +24682,7 @@
         <p:spPr>
           <a:xfrm>
             <a:off x="6400336" y="6227658"/>
-            <a:ext cx="976549" cy="261610"/>
+            <a:ext cx="939629" cy="261610"/>
           </a:xfrm>
           <a:prstGeom prst="rect">
             <a:avLst/>
@@ -24687,8 +24694,11 @@
           </a:bodyPr>
           <a:lstStyle/>
           <a:p>
+            <a:pPr lvl="0">
+              <a:defRPr lang="ko-KR" altLang="en-US"/>
+            </a:pPr>
             <a:r>
-              <a:rPr lang="en-US" altLang="ko-KR" sz="1100" dirty="0">
+              <a:rPr lang="en-US" altLang="ko-KR" sz="1100">
                 <a:solidFill>
                   <a:prstClr val="black">
                     <a:lumMod val="65000"/>
@@ -24698,7 +24708,7 @@
               </a:rPr>
               <a:t>CONTENTS </a:t>
             </a:r>
-            <a:endParaRPr lang="ko-KR" altLang="en-US" sz="1400" dirty="0">
+            <a:endParaRPr lang="ko-KR" altLang="en-US" sz="1400">
               <a:solidFill>
                 <a:prstClr val="black">
                   <a:lumMod val="65000"/>
@@ -24726,7 +24736,7 @@
           <a:noFill/>
           <a:ln w="28575">
             <a:solidFill>
-              <a:srgbClr val="EF746F"/>
+              <a:srgbClr val="ef746f"/>
             </a:solidFill>
             <a:prstDash val="solid"/>
           </a:ln>
@@ -24748,10 +24758,12 @@
           </a:fontRef>
         </p:style>
         <p:txBody>
-          <a:bodyPr rtlCol="0" anchor="ctr"/>
+          <a:bodyPr anchor="ctr"/>
           <a:lstStyle/>
           <a:p>
-            <a:pPr algn="ctr"/>
+            <a:pPr algn="ctr">
+              <a:defRPr lang="ko-KR" altLang="en-US"/>
+            </a:pPr>
             <a:endParaRPr lang="ko-KR" altLang="en-US">
               <a:solidFill>
                 <a:prstClr val="white"/>
@@ -24769,7 +24781,7 @@
         <p:spPr>
           <a:xfrm>
             <a:off x="4822582" y="6227658"/>
-            <a:ext cx="976549" cy="261610"/>
+            <a:ext cx="936232" cy="261610"/>
           </a:xfrm>
           <a:prstGeom prst="rect">
             <a:avLst/>
@@ -24781,8 +24793,11 @@
           </a:bodyPr>
           <a:lstStyle/>
           <a:p>
+            <a:pPr lvl="0">
+              <a:defRPr lang="ko-KR" altLang="en-US"/>
+            </a:pPr>
             <a:r>
-              <a:rPr lang="en-US" altLang="ko-KR" sz="1100" dirty="0">
+              <a:rPr lang="en-US" altLang="ko-KR" sz="1100">
                 <a:solidFill>
                   <a:prstClr val="black">
                     <a:lumMod val="65000"/>
@@ -24792,7 +24807,7 @@
               </a:rPr>
               <a:t>CONTENTS </a:t>
             </a:r>
-            <a:endParaRPr lang="ko-KR" altLang="en-US" sz="1400" dirty="0">
+            <a:endParaRPr lang="ko-KR" altLang="en-US" sz="1400">
               <a:solidFill>
                 <a:prstClr val="black">
                   <a:lumMod val="65000"/>
@@ -24810,14 +24825,14 @@
           <p:nvPr/>
         </p:nvGrpSpPr>
         <p:grpSpPr>
-          <a:xfrm>
+          <a:xfrm rot="0">
             <a:off x="8074061" y="4324588"/>
             <a:ext cx="809816" cy="326072"/>
             <a:chOff x="9492343" y="796762"/>
             <a:chExt cx="809816" cy="326072"/>
           </a:xfrm>
           <a:solidFill>
-            <a:srgbClr val="EF746F"/>
+            <a:srgbClr val="ef746f"/>
           </a:solidFill>
         </p:grpSpPr>
         <p:sp>
@@ -24858,10 +24873,12 @@
             </a:fontRef>
           </p:style>
           <p:txBody>
-            <a:bodyPr rtlCol="0" anchor="ctr"/>
+            <a:bodyPr anchor="ctr"/>
             <a:lstStyle/>
             <a:p>
-              <a:pPr algn="ctr"/>
+              <a:pPr algn="ctr">
+                <a:defRPr lang="ko-KR" altLang="en-US"/>
+              </a:pPr>
               <a:endParaRPr lang="ko-KR" altLang="en-US">
                 <a:solidFill>
                   <a:prstClr val="white"/>
@@ -24906,19 +24923,21 @@
             </a:fontRef>
           </p:style>
           <p:txBody>
-            <a:bodyPr wrap="none" rtlCol="0" anchor="ctr"/>
+            <a:bodyPr wrap="none" anchor="ctr"/>
             <a:lstStyle/>
             <a:p>
-              <a:pPr algn="ctr"/>
+              <a:pPr algn="ctr">
+                <a:defRPr lang="ko-KR" altLang="en-US"/>
+              </a:pPr>
               <a:r>
-                <a:rPr lang="en-US" altLang="ko-KR" sz="1100" b="1" dirty="0">
+                <a:rPr lang="en-US" altLang="ko-KR" sz="1100" b="1">
                   <a:solidFill>
                     <a:prstClr val="white"/>
                   </a:solidFill>
                 </a:rPr>
                 <a:t>Check</a:t>
               </a:r>
-              <a:endParaRPr lang="ko-KR" altLang="en-US" sz="1100" b="1" dirty="0">
+              <a:endParaRPr lang="ko-KR" altLang="en-US" sz="1100" b="1">
                 <a:solidFill>
                   <a:prstClr val="white"/>
                 </a:solidFill>
@@ -24934,14 +24953,14 @@
           <p:nvPr/>
         </p:nvGrpSpPr>
         <p:grpSpPr>
-          <a:xfrm>
+          <a:xfrm rot="0">
             <a:off x="4822582" y="2678854"/>
             <a:ext cx="809816" cy="326072"/>
             <a:chOff x="9492343" y="796762"/>
             <a:chExt cx="809816" cy="326072"/>
           </a:xfrm>
           <a:solidFill>
-            <a:srgbClr val="0B4877"/>
+            <a:srgbClr val="0b4877"/>
           </a:solidFill>
         </p:grpSpPr>
         <p:sp>
@@ -24982,10 +25001,12 @@
             </a:fontRef>
           </p:style>
           <p:txBody>
-            <a:bodyPr rtlCol="0" anchor="ctr"/>
+            <a:bodyPr anchor="ctr"/>
             <a:lstStyle/>
             <a:p>
-              <a:pPr algn="ctr"/>
+              <a:pPr algn="ctr">
+                <a:defRPr lang="ko-KR" altLang="en-US"/>
+              </a:pPr>
               <a:endParaRPr lang="ko-KR" altLang="en-US">
                 <a:solidFill>
                   <a:prstClr val="white"/>
@@ -25030,19 +25051,21 @@
             </a:fontRef>
           </p:style>
           <p:txBody>
-            <a:bodyPr wrap="none" rtlCol="0" anchor="ctr"/>
+            <a:bodyPr wrap="none" anchor="ctr"/>
             <a:lstStyle/>
             <a:p>
-              <a:pPr algn="ctr"/>
+              <a:pPr algn="ctr">
+                <a:defRPr lang="ko-KR" altLang="en-US"/>
+              </a:pPr>
               <a:r>
-                <a:rPr lang="en-US" altLang="ko-KR" sz="1100" b="1" dirty="0">
+                <a:rPr lang="en-US" altLang="ko-KR" sz="1100" b="1">
                   <a:solidFill>
                     <a:prstClr val="white"/>
                   </a:solidFill>
                 </a:rPr>
                 <a:t>Check</a:t>
               </a:r>
-              <a:endParaRPr lang="ko-KR" altLang="en-US" sz="1100" b="1" dirty="0">
+              <a:endParaRPr lang="ko-KR" altLang="en-US" sz="1100" b="1">
                 <a:solidFill>
                   <a:prstClr val="white"/>
                 </a:solidFill>
@@ -25053,20 +25076,14 @@
       </p:grpSp>
       <p:sp>
         <p:nvSpPr>
-          <p:cNvPr id="108" name="직사각형 107">
-            <a:extLst>
-              <a:ext uri="{FF2B5EF4-FFF2-40B4-BE49-F238E27FC236}">
-                <a16:creationId xmlns:a16="http://schemas.microsoft.com/office/drawing/2014/main" xmlns="" id="{2897F044-5583-4AE2-8E01-3466357BC751}"/>
-              </a:ext>
-            </a:extLst>
-          </p:cNvPr>
+          <p:cNvPr id="108" name="직사각형 107"/>
           <p:cNvSpPr/>
           <p:nvPr/>
         </p:nvSpPr>
         <p:spPr>
           <a:xfrm>
             <a:off x="4793581" y="1404421"/>
-            <a:ext cx="3933841" cy="1038746"/>
+            <a:ext cx="3933841" cy="1022549"/>
           </a:xfrm>
           <a:prstGeom prst="rect">
             <a:avLst/>
@@ -25082,9 +25099,10 @@
               <a:lnSpc>
                 <a:spcPct val="150000"/>
               </a:lnSpc>
+              <a:defRPr lang="ko-KR" altLang="en-US"/>
             </a:pPr>
             <a:r>
-              <a:rPr lang="en-US" altLang="ko-KR" sz="1600" b="1" dirty="0">
+              <a:rPr lang="en-US" altLang="ko-KR" sz="1600" b="1">
                 <a:solidFill>
                   <a:prstClr val="black">
                     <a:lumMod val="75000"/>
@@ -25094,25 +25112,7 @@
               </a:rPr>
               <a:t>CONTENTS A</a:t>
             </a:r>
-          </a:p>
-          <a:p>
-            <a:pPr>
-              <a:lnSpc>
-                <a:spcPct val="150000"/>
-              </a:lnSpc>
-            </a:pPr>
-            <a:r>
-              <a:rPr lang="ko-KR" altLang="en-US" sz="1400" dirty="0">
-                <a:solidFill>
-                  <a:prstClr val="black">
-                    <a:lumMod val="75000"/>
-                    <a:lumOff val="25000"/>
-                  </a:prstClr>
-                </a:solidFill>
-              </a:rPr>
-              <a:t>컨텐츠에 대한 내용을 적어요</a:t>
-            </a:r>
-            <a:endParaRPr lang="en-US" altLang="ko-KR" sz="1400" dirty="0">
+            <a:endParaRPr lang="en-US" altLang="ko-KR" sz="1600" b="1">
               <a:solidFill>
                 <a:prstClr val="black">
                   <a:lumMod val="75000"/>
@@ -25126,9 +25126,37 @@
               <a:lnSpc>
                 <a:spcPct val="150000"/>
               </a:lnSpc>
+              <a:defRPr lang="ko-KR" altLang="en-US"/>
             </a:pPr>
             <a:r>
-              <a:rPr lang="ko-KR" altLang="en-US" sz="1100" dirty="0">
+              <a:rPr lang="ko-KR" altLang="en-US" sz="1400">
+                <a:solidFill>
+                  <a:prstClr val="black">
+                    <a:lumMod val="75000"/>
+                    <a:lumOff val="25000"/>
+                  </a:prstClr>
+                </a:solidFill>
+              </a:rPr>
+              <a:t>컨텐츠에 대한 내용을 적어요</a:t>
+            </a:r>
+            <a:endParaRPr lang="ko-KR" altLang="en-US" sz="1400">
+              <a:solidFill>
+                <a:prstClr val="black">
+                  <a:lumMod val="75000"/>
+                  <a:lumOff val="25000"/>
+                </a:prstClr>
+              </a:solidFill>
+            </a:endParaRPr>
+          </a:p>
+          <a:p>
+            <a:pPr>
+              <a:lnSpc>
+                <a:spcPct val="150000"/>
+              </a:lnSpc>
+              <a:defRPr lang="ko-KR" altLang="en-US"/>
+            </a:pPr>
+            <a:r>
+              <a:rPr lang="ko-KR" altLang="en-US" sz="1100">
                 <a:solidFill>
                   <a:prstClr val="black">
                     <a:lumMod val="75000"/>
@@ -25138,25 +25166,27 @@
               </a:rPr>
               <a:t>Enjoy your stylish business and campus life with BIZCAM </a:t>
             </a:r>
+            <a:endParaRPr lang="ko-KR" altLang="en-US" sz="1100">
+              <a:solidFill>
+                <a:prstClr val="black">
+                  <a:lumMod val="75000"/>
+                  <a:lumOff val="25000"/>
+                </a:prstClr>
+              </a:solidFill>
+            </a:endParaRPr>
           </a:p>
         </p:txBody>
       </p:sp>
       <p:sp>
         <p:nvSpPr>
-          <p:cNvPr id="109" name="직사각형 108">
-            <a:extLst>
-              <a:ext uri="{FF2B5EF4-FFF2-40B4-BE49-F238E27FC236}">
-                <a16:creationId xmlns:a16="http://schemas.microsoft.com/office/drawing/2014/main" xmlns="" id="{2897F044-5583-4AE2-8E01-3466357BC751}"/>
-              </a:ext>
-            </a:extLst>
-          </p:cNvPr>
+          <p:cNvPr id="109" name="직사각형 108"/>
           <p:cNvSpPr/>
           <p:nvPr/>
         </p:nvSpPr>
         <p:spPr>
           <a:xfrm>
-            <a:off x="7930481" y="3082891"/>
-            <a:ext cx="3933841" cy="1038746"/>
+            <a:off x="7930480" y="3082891"/>
+            <a:ext cx="3933841" cy="1020479"/>
           </a:xfrm>
           <a:prstGeom prst="rect">
             <a:avLst/>
@@ -25172,9 +25202,10 @@
               <a:lnSpc>
                 <a:spcPct val="150000"/>
               </a:lnSpc>
+              <a:defRPr lang="ko-KR" altLang="en-US"/>
             </a:pPr>
             <a:r>
-              <a:rPr lang="en-US" altLang="ko-KR" sz="1600" b="1" dirty="0">
+              <a:rPr lang="en-US" altLang="ko-KR" sz="1600" b="1">
                 <a:solidFill>
                   <a:prstClr val="black">
                     <a:lumMod val="75000"/>
@@ -25184,25 +25215,7 @@
               </a:rPr>
               <a:t>CONTENTS A</a:t>
             </a:r>
-          </a:p>
-          <a:p>
-            <a:pPr>
-              <a:lnSpc>
-                <a:spcPct val="150000"/>
-              </a:lnSpc>
-            </a:pPr>
-            <a:r>
-              <a:rPr lang="ko-KR" altLang="en-US" sz="1400" dirty="0">
-                <a:solidFill>
-                  <a:prstClr val="black">
-                    <a:lumMod val="75000"/>
-                    <a:lumOff val="25000"/>
-                  </a:prstClr>
-                </a:solidFill>
-              </a:rPr>
-              <a:t>컨텐츠에 대한 내용을 적어요</a:t>
-            </a:r>
-            <a:endParaRPr lang="en-US" altLang="ko-KR" sz="1400" dirty="0">
+            <a:endParaRPr lang="en-US" altLang="ko-KR" sz="1600" b="1">
               <a:solidFill>
                 <a:prstClr val="black">
                   <a:lumMod val="75000"/>
@@ -25216,9 +25229,37 @@
               <a:lnSpc>
                 <a:spcPct val="150000"/>
               </a:lnSpc>
+              <a:defRPr lang="ko-KR" altLang="en-US"/>
             </a:pPr>
             <a:r>
-              <a:rPr lang="ko-KR" altLang="en-US" sz="1100" dirty="0">
+              <a:rPr lang="ko-KR" altLang="en-US" sz="1400">
+                <a:solidFill>
+                  <a:prstClr val="black">
+                    <a:lumMod val="75000"/>
+                    <a:lumOff val="25000"/>
+                  </a:prstClr>
+                </a:solidFill>
+              </a:rPr>
+              <a:t>컨텐츠에 대한 내용을 적어요</a:t>
+            </a:r>
+            <a:endParaRPr lang="ko-KR" altLang="en-US" sz="1400">
+              <a:solidFill>
+                <a:prstClr val="black">
+                  <a:lumMod val="75000"/>
+                  <a:lumOff val="25000"/>
+                </a:prstClr>
+              </a:solidFill>
+            </a:endParaRPr>
+          </a:p>
+          <a:p>
+            <a:pPr>
+              <a:lnSpc>
+                <a:spcPct val="150000"/>
+              </a:lnSpc>
+              <a:defRPr lang="ko-KR" altLang="en-US"/>
+            </a:pPr>
+            <a:r>
+              <a:rPr lang="ko-KR" altLang="en-US" sz="1100">
                 <a:solidFill>
                   <a:prstClr val="black">
                     <a:lumMod val="75000"/>
@@ -25228,31 +25269,112 @@
               </a:rPr>
               <a:t>Enjoy your stylish business and campus life with BIZCAM </a:t>
             </a:r>
+            <a:endParaRPr lang="ko-KR" altLang="en-US" sz="1100">
+              <a:solidFill>
+                <a:prstClr val="black">
+                  <a:lumMod val="75000"/>
+                  <a:lumOff val="25000"/>
+                </a:prstClr>
+              </a:solidFill>
+            </a:endParaRPr>
+          </a:p>
+        </p:txBody>
+      </p:sp>
+      <p:sp>
+        <p:nvSpPr>
+          <p:cNvPr id="110" name=""/>
+          <p:cNvSpPr txBox="1"/>
+          <p:nvPr/>
+        </p:nvSpPr>
+        <p:spPr>
+          <a:xfrm>
+            <a:off x="2132060" y="1192068"/>
+            <a:ext cx="6794602" cy="1453977"/>
+          </a:xfrm>
+          <a:prstGeom prst="rect">
+            <a:avLst/>
+          </a:prstGeom>
+        </p:spPr>
+        <p:txBody>
+          <a:bodyPr wrap="square">
+            <a:spAutoFit/>
+          </a:bodyPr>
+          <a:p>
+            <a:pPr>
+              <a:defRPr lang="ko-KR" altLang="en-US"/>
+            </a:pPr>
+            <a:r>
+              <a:rPr lang="ko-KR" altLang="en-US"/>
+              <a:t>프로젝트주제선정, (벤치마킹 사이트 탐색,)</a:t>
+            </a:r>
+            <a:endParaRPr lang="ko-KR" altLang="en-US"/>
+          </a:p>
+          <a:p>
+            <a:pPr>
+              <a:defRPr lang="ko-KR" altLang="en-US"/>
+            </a:pPr>
+            <a:r>
+              <a:rPr lang="ko-KR" altLang="en-US"/>
+              <a:t>서버 및 개발환경 설정, </a:t>
+            </a:r>
+            <a:endParaRPr lang="ko-KR" altLang="en-US"/>
+          </a:p>
+          <a:p>
+            <a:pPr>
+              <a:defRPr lang="ko-KR" altLang="en-US"/>
+            </a:pPr>
+            <a:r>
+              <a:rPr lang="ko-KR" altLang="en-US"/>
+              <a:t>프로젝트 기능 구현, </a:t>
+            </a:r>
+            <a:endParaRPr lang="ko-KR" altLang="en-US"/>
+          </a:p>
+          <a:p>
+            <a:pPr>
+              <a:defRPr lang="ko-KR" altLang="en-US"/>
+            </a:pPr>
+            <a:r>
+              <a:rPr lang="ko-KR" altLang="en-US"/>
+              <a:t>데이터 베이스 연동, </a:t>
+            </a:r>
+            <a:endParaRPr lang="ko-KR" altLang="en-US"/>
+          </a:p>
+          <a:p>
+            <a:pPr>
+              <a:defRPr lang="ko-KR" altLang="en-US"/>
+            </a:pPr>
+            <a:r>
+              <a:rPr lang="ko-KR" altLang="en-US"/>
+              <a:t>디자인 적용 보고서작성 및 추가가능한 기능 탐색</a:t>
+            </a:r>
+            <a:endParaRPr lang="ko-KR" altLang="en-US"/>
           </a:p>
         </p:txBody>
       </p:sp>
     </p:spTree>
-    <p:extLst>
-      <p:ext uri="{BB962C8B-B14F-4D97-AF65-F5344CB8AC3E}">
-        <p14:creationId xmlns:p14="http://schemas.microsoft.com/office/powerpoint/2010/main" val="480746147"/>
-      </p:ext>
-    </p:extLst>
   </p:cSld>
   <p:clrMapOvr>
     <a:masterClrMapping/>
   </p:clrMapOvr>
+  <mc:AlternateContent xmlns:mc="http://schemas.openxmlformats.org/markup-compatibility/2006">
+    <mc:Choice xmlns:p14="http://schemas.microsoft.com/office/powerpoint/2010/main" Requires="p14">
+      <p:transition xmlns:mc="http://schemas.openxmlformats.org/markup-compatibility/2006" xmlns:p14="http://schemas.microsoft.com/office/powerpoint/2010/main" mc:Ignorable="p14" p14:dur="500"/>
+    </mc:Choice>
+    <mc:Fallback>
+      <p:transition/>
+    </mc:Fallback>
+  </mc:AlternateContent>
 </p:sld>
 </file>
 
 <file path=ppt/slides/slide7.xml><?xml version="1.0" encoding="utf-8"?>
-<p:sld xmlns:a="http://schemas.openxmlformats.org/drawingml/2006/main" xmlns:r="http://schemas.openxmlformats.org/officeDocument/2006/relationships" xmlns:p="http://schemas.openxmlformats.org/presentationml/2006/main">
+<p:sld xmlns:r="http://schemas.openxmlformats.org/officeDocument/2006/relationships" xmlns:c="http://schemas.openxmlformats.org/drawingml/2006/chart" xmlns:a="http://schemas.openxmlformats.org/drawingml/2006/main" xmlns:dgm="http://schemas.openxmlformats.org/drawingml/2006/diagram" xmlns:dsp="http://schemas.microsoft.com/office/drawing/2008/diagram" xmlns:p="http://schemas.openxmlformats.org/presentationml/2006/main">
   <p:cSld>
     <p:bg>
-      <p:bgPr>
+      <p:bgPr shadeToTitle="0">
         <a:solidFill>
-          <a:srgbClr val="F2EFEA"/>
+          <a:srgbClr val="f2efea"/>
         </a:solidFill>
-        <a:effectLst/>
       </p:bgPr>
     </p:bg>
     <p:spTree>
@@ -25284,7 +25406,7 @@
             <a:avLst/>
           </a:prstGeom>
           <a:solidFill>
-            <a:srgbClr val="0B4877"/>
+            <a:srgbClr val="0b4877"/>
           </a:solidFill>
           <a:ln w="25400">
             <a:noFill/>
@@ -25312,12 +25434,14 @@
           </a:fontRef>
         </p:style>
         <p:txBody>
-          <a:bodyPr rtlCol="0" anchor="ctr"/>
+          <a:bodyPr anchor="ctr"/>
           <a:lstStyle/>
           <a:p>
-            <a:pPr algn="ctr"/>
+            <a:pPr algn="ctr">
+              <a:defRPr lang="ko-KR" altLang="en-US"/>
+            </a:pPr>
             <a:r>
-              <a:rPr lang="en-US" altLang="ko-KR" sz="2800" i="1" dirty="0">
+              <a:rPr lang="en-US" altLang="ko-KR" sz="2800" i="1">
                 <a:solidFill>
                   <a:prstClr val="white"/>
                 </a:solidFill>
@@ -25325,1200 +25449,39 @@
               <a:t>PPT </a:t>
             </a:r>
             <a:r>
-              <a:rPr lang="en-US" altLang="ko-KR" sz="2800" b="1" i="1" dirty="0">
+              <a:rPr lang="en-US" altLang="ko-KR" sz="2800" b="1" i="1">
                 <a:solidFill>
                   <a:prstClr val="white"/>
                 </a:solidFill>
               </a:rPr>
               <a:t>PRESENTATION</a:t>
             </a:r>
+            <a:endParaRPr lang="en-US" altLang="ko-KR" sz="2800" b="1" i="1">
+              <a:solidFill>
+                <a:prstClr val="white"/>
+              </a:solidFill>
+            </a:endParaRPr>
           </a:p>
           <a:p>
             <a:pPr algn="ctr">
               <a:lnSpc>
                 <a:spcPct val="150000"/>
               </a:lnSpc>
+              <a:defRPr lang="ko-KR" altLang="en-US"/>
             </a:pPr>
             <a:r>
-              <a:rPr lang="en-US" altLang="ko-KR" sz="700" i="1" dirty="0">
+              <a:rPr lang="en-US" altLang="ko-KR" sz="700" i="1">
                 <a:solidFill>
                   <a:prstClr val="white"/>
                 </a:solidFill>
               </a:rPr>
               <a:t>Enjoy your stylish business and campus life with BIZCAM </a:t>
             </a:r>
-          </a:p>
-        </p:txBody>
-      </p:sp>
-      <p:grpSp>
-        <p:nvGrpSpPr>
-          <p:cNvPr id="16" name="그룹 15"/>
-          <p:cNvGrpSpPr/>
-          <p:nvPr/>
-        </p:nvGrpSpPr>
-        <p:grpSpPr>
-          <a:xfrm>
-            <a:off x="5494465" y="1859472"/>
-            <a:ext cx="1344505" cy="1786940"/>
-            <a:chOff x="4558292" y="1447629"/>
-            <a:chExt cx="1344505" cy="1786940"/>
-          </a:xfrm>
-        </p:grpSpPr>
-        <p:sp>
-          <p:nvSpPr>
-            <p:cNvPr id="17" name="모서리가 둥근 직사각형 16"/>
-            <p:cNvSpPr/>
-            <p:nvPr/>
-          </p:nvSpPr>
-          <p:spPr>
-            <a:xfrm rot="5400000">
-              <a:off x="4219746" y="2033117"/>
-              <a:ext cx="1666275" cy="495300"/>
-            </a:xfrm>
-            <a:prstGeom prst="roundRect">
-              <a:avLst>
-                <a:gd name="adj" fmla="val 50000"/>
-              </a:avLst>
-            </a:prstGeom>
-            <a:solidFill>
-              <a:srgbClr val="EF746F">
-                <a:alpha val="92941"/>
-              </a:srgbClr>
-            </a:solidFill>
-            <a:ln>
-              <a:noFill/>
-            </a:ln>
-          </p:spPr>
-          <p:style>
-            <a:lnRef idx="2">
-              <a:schemeClr val="accent1">
-                <a:shade val="50000"/>
-              </a:schemeClr>
-            </a:lnRef>
-            <a:fillRef idx="1">
-              <a:schemeClr val="accent1"/>
-            </a:fillRef>
-            <a:effectRef idx="0">
-              <a:schemeClr val="accent1"/>
-            </a:effectRef>
-            <a:fontRef idx="minor">
-              <a:schemeClr val="lt1"/>
-            </a:fontRef>
-          </p:style>
-          <p:txBody>
-            <a:bodyPr rtlCol="0" anchor="ctr"/>
-            <a:lstStyle/>
-            <a:p>
-              <a:pPr algn="ctr"/>
-              <a:endParaRPr lang="ko-KR" altLang="en-US">
-                <a:solidFill>
-                  <a:prstClr val="white"/>
-                </a:solidFill>
-              </a:endParaRPr>
-            </a:p>
-          </p:txBody>
-        </p:sp>
-        <p:sp>
-          <p:nvSpPr>
-            <p:cNvPr id="18" name="모서리가 둥근 직사각형 17"/>
-            <p:cNvSpPr/>
-            <p:nvPr/>
-          </p:nvSpPr>
-          <p:spPr>
-            <a:xfrm rot="8100000">
-              <a:off x="4721219" y="2411113"/>
-              <a:ext cx="1181578" cy="451923"/>
-            </a:xfrm>
-            <a:prstGeom prst="roundRect">
-              <a:avLst>
-                <a:gd name="adj" fmla="val 50000"/>
-              </a:avLst>
-            </a:prstGeom>
-            <a:solidFill>
-              <a:srgbClr val="EF746F">
-                <a:alpha val="92941"/>
-              </a:srgbClr>
-            </a:solidFill>
-            <a:ln>
-              <a:noFill/>
-            </a:ln>
-          </p:spPr>
-          <p:style>
-            <a:lnRef idx="2">
-              <a:schemeClr val="accent1">
-                <a:shade val="50000"/>
-              </a:schemeClr>
-            </a:lnRef>
-            <a:fillRef idx="1">
-              <a:schemeClr val="accent1"/>
-            </a:fillRef>
-            <a:effectRef idx="0">
-              <a:schemeClr val="accent1"/>
-            </a:effectRef>
-            <a:fontRef idx="minor">
-              <a:schemeClr val="lt1"/>
-            </a:fontRef>
-          </p:style>
-          <p:txBody>
-            <a:bodyPr rtlCol="0" anchor="ctr"/>
-            <a:lstStyle/>
-            <a:p>
-              <a:pPr algn="ctr"/>
-              <a:endParaRPr lang="ko-KR" altLang="en-US">
-                <a:solidFill>
-                  <a:prstClr val="white"/>
-                </a:solidFill>
-              </a:endParaRPr>
-            </a:p>
-          </p:txBody>
-        </p:sp>
-        <p:sp>
-          <p:nvSpPr>
-            <p:cNvPr id="19" name="모서리가 둥근 직사각형 18"/>
-            <p:cNvSpPr/>
-            <p:nvPr/>
-          </p:nvSpPr>
-          <p:spPr>
-            <a:xfrm rot="13500000" flipH="1">
-              <a:off x="4186396" y="2433141"/>
-              <a:ext cx="1173324" cy="429531"/>
-            </a:xfrm>
-            <a:prstGeom prst="roundRect">
-              <a:avLst>
-                <a:gd name="adj" fmla="val 50000"/>
-              </a:avLst>
-            </a:prstGeom>
-            <a:solidFill>
-              <a:srgbClr val="EF746F">
-                <a:alpha val="92941"/>
-              </a:srgbClr>
-            </a:solidFill>
-            <a:ln>
-              <a:noFill/>
-            </a:ln>
-          </p:spPr>
-          <p:style>
-            <a:lnRef idx="2">
-              <a:schemeClr val="accent1">
-                <a:shade val="50000"/>
-              </a:schemeClr>
-            </a:lnRef>
-            <a:fillRef idx="1">
-              <a:schemeClr val="accent1"/>
-            </a:fillRef>
-            <a:effectRef idx="0">
-              <a:schemeClr val="accent1"/>
-            </a:effectRef>
-            <a:fontRef idx="minor">
-              <a:schemeClr val="lt1"/>
-            </a:fontRef>
-          </p:style>
-          <p:txBody>
-            <a:bodyPr rtlCol="0" anchor="ctr"/>
-            <a:lstStyle/>
-            <a:p>
-              <a:pPr algn="ctr"/>
-              <a:endParaRPr lang="ko-KR" altLang="en-US">
-                <a:solidFill>
-                  <a:prstClr val="white"/>
-                </a:solidFill>
-              </a:endParaRPr>
-            </a:p>
-          </p:txBody>
-        </p:sp>
-        <p:sp>
-          <p:nvSpPr>
-            <p:cNvPr id="20" name="타원 19"/>
-            <p:cNvSpPr/>
-            <p:nvPr/>
-          </p:nvSpPr>
-          <p:spPr>
-            <a:xfrm>
-              <a:off x="4805232" y="2618605"/>
-              <a:ext cx="495302" cy="495300"/>
-            </a:xfrm>
-            <a:prstGeom prst="ellipse">
-              <a:avLst/>
-            </a:prstGeom>
-            <a:solidFill>
-              <a:schemeClr val="tx1">
-                <a:lumMod val="85000"/>
-                <a:lumOff val="15000"/>
-                <a:alpha val="36000"/>
-              </a:schemeClr>
-            </a:solidFill>
-            <a:ln>
-              <a:noFill/>
-            </a:ln>
-          </p:spPr>
-          <p:style>
-            <a:lnRef idx="2">
-              <a:schemeClr val="accent1">
-                <a:shade val="50000"/>
-              </a:schemeClr>
-            </a:lnRef>
-            <a:fillRef idx="1">
-              <a:schemeClr val="accent1"/>
-            </a:fillRef>
-            <a:effectRef idx="0">
-              <a:schemeClr val="accent1"/>
-            </a:effectRef>
-            <a:fontRef idx="minor">
-              <a:schemeClr val="lt1"/>
-            </a:fontRef>
-          </p:style>
-          <p:txBody>
-            <a:bodyPr rtlCol="0" anchor="ctr"/>
-            <a:lstStyle/>
-            <a:p>
-              <a:pPr algn="ctr"/>
-              <a:r>
-                <a:rPr lang="en-US" altLang="ko-KR" b="1" dirty="0">
-                  <a:solidFill>
-                    <a:prstClr val="white"/>
-                  </a:solidFill>
-                </a:rPr>
-                <a:t>W</a:t>
-              </a:r>
-              <a:endParaRPr lang="ko-KR" altLang="en-US" b="1" dirty="0">
-                <a:solidFill>
-                  <a:prstClr val="white"/>
-                </a:solidFill>
-              </a:endParaRPr>
-            </a:p>
-          </p:txBody>
-        </p:sp>
-      </p:grpSp>
-      <p:grpSp>
-        <p:nvGrpSpPr>
-          <p:cNvPr id="21" name="그룹 20"/>
-          <p:cNvGrpSpPr/>
-          <p:nvPr/>
-        </p:nvGrpSpPr>
-        <p:grpSpPr>
-          <a:xfrm>
-            <a:off x="4062088" y="2969354"/>
-            <a:ext cx="1344504" cy="1786938"/>
-            <a:chOff x="3125915" y="2557511"/>
-            <a:chExt cx="1344504" cy="1786938"/>
-          </a:xfrm>
-        </p:grpSpPr>
-        <p:sp>
-          <p:nvSpPr>
-            <p:cNvPr id="22" name="모서리가 둥근 직사각형 21"/>
-            <p:cNvSpPr/>
-            <p:nvPr/>
-          </p:nvSpPr>
-          <p:spPr>
-            <a:xfrm rot="16200000">
-              <a:off x="3142691" y="3263662"/>
-              <a:ext cx="1666275" cy="495300"/>
-            </a:xfrm>
-            <a:prstGeom prst="roundRect">
-              <a:avLst>
-                <a:gd name="adj" fmla="val 50000"/>
-              </a:avLst>
-            </a:prstGeom>
-            <a:solidFill>
-              <a:srgbClr val="0B4877">
-                <a:alpha val="93000"/>
-              </a:srgbClr>
-            </a:solidFill>
-            <a:ln>
-              <a:noFill/>
-            </a:ln>
-          </p:spPr>
-          <p:style>
-            <a:lnRef idx="2">
-              <a:schemeClr val="accent1">
-                <a:shade val="50000"/>
-              </a:schemeClr>
-            </a:lnRef>
-            <a:fillRef idx="1">
-              <a:schemeClr val="accent1"/>
-            </a:fillRef>
-            <a:effectRef idx="0">
-              <a:schemeClr val="accent1"/>
-            </a:effectRef>
-            <a:fontRef idx="minor">
-              <a:schemeClr val="lt1"/>
-            </a:fontRef>
-          </p:style>
-          <p:txBody>
-            <a:bodyPr rtlCol="0" anchor="ctr"/>
-            <a:lstStyle/>
-            <a:p>
-              <a:pPr algn="ctr"/>
-              <a:endParaRPr lang="ko-KR" altLang="en-US">
-                <a:solidFill>
-                  <a:prstClr val="white"/>
-                </a:solidFill>
-              </a:endParaRPr>
-            </a:p>
-          </p:txBody>
-        </p:sp>
-        <p:sp>
-          <p:nvSpPr>
-            <p:cNvPr id="23" name="모서리가 둥근 직사각형 22"/>
-            <p:cNvSpPr/>
-            <p:nvPr/>
-          </p:nvSpPr>
-          <p:spPr>
-            <a:xfrm rot="18900000">
-              <a:off x="3125915" y="2929043"/>
-              <a:ext cx="1181578" cy="451923"/>
-            </a:xfrm>
-            <a:prstGeom prst="roundRect">
-              <a:avLst>
-                <a:gd name="adj" fmla="val 50000"/>
-              </a:avLst>
-            </a:prstGeom>
-            <a:solidFill>
-              <a:srgbClr val="0B4877">
-                <a:alpha val="93000"/>
-              </a:srgbClr>
-            </a:solidFill>
-            <a:ln>
-              <a:noFill/>
-            </a:ln>
-          </p:spPr>
-          <p:style>
-            <a:lnRef idx="2">
-              <a:schemeClr val="accent1">
-                <a:shade val="50000"/>
-              </a:schemeClr>
-            </a:lnRef>
-            <a:fillRef idx="1">
-              <a:schemeClr val="accent1"/>
-            </a:fillRef>
-            <a:effectRef idx="0">
-              <a:schemeClr val="accent1"/>
-            </a:effectRef>
-            <a:fontRef idx="minor">
-              <a:schemeClr val="lt1"/>
-            </a:fontRef>
-          </p:style>
-          <p:txBody>
-            <a:bodyPr rtlCol="0" anchor="ctr"/>
-            <a:lstStyle/>
-            <a:p>
-              <a:pPr algn="ctr"/>
-              <a:endParaRPr lang="ko-KR" altLang="en-US">
-                <a:solidFill>
-                  <a:prstClr val="white"/>
-                </a:solidFill>
-              </a:endParaRPr>
-            </a:p>
-          </p:txBody>
-        </p:sp>
-        <p:sp>
-          <p:nvSpPr>
-            <p:cNvPr id="24" name="모서리가 둥근 직사각형 23"/>
-            <p:cNvSpPr/>
-            <p:nvPr/>
-          </p:nvSpPr>
-          <p:spPr>
-            <a:xfrm rot="2700000" flipH="1">
-              <a:off x="3668992" y="2929407"/>
-              <a:ext cx="1173324" cy="429531"/>
-            </a:xfrm>
-            <a:prstGeom prst="roundRect">
-              <a:avLst>
-                <a:gd name="adj" fmla="val 50000"/>
-              </a:avLst>
-            </a:prstGeom>
-            <a:solidFill>
-              <a:srgbClr val="0B4877">
-                <a:alpha val="93000"/>
-              </a:srgbClr>
-            </a:solidFill>
-            <a:ln>
-              <a:noFill/>
-            </a:ln>
-          </p:spPr>
-          <p:style>
-            <a:lnRef idx="2">
-              <a:schemeClr val="accent1">
-                <a:shade val="50000"/>
-              </a:schemeClr>
-            </a:lnRef>
-            <a:fillRef idx="1">
-              <a:schemeClr val="accent1"/>
-            </a:fillRef>
-            <a:effectRef idx="0">
-              <a:schemeClr val="accent1"/>
-            </a:effectRef>
-            <a:fontRef idx="minor">
-              <a:schemeClr val="lt1"/>
-            </a:fontRef>
-          </p:style>
-          <p:txBody>
-            <a:bodyPr rtlCol="0" anchor="ctr"/>
-            <a:lstStyle/>
-            <a:p>
-              <a:pPr algn="ctr"/>
-              <a:endParaRPr lang="ko-KR" altLang="en-US">
-                <a:solidFill>
-                  <a:prstClr val="white"/>
-                </a:solidFill>
-              </a:endParaRPr>
-            </a:p>
-          </p:txBody>
-        </p:sp>
-        <p:sp>
-          <p:nvSpPr>
-            <p:cNvPr id="25" name="타원 24"/>
-            <p:cNvSpPr/>
-            <p:nvPr/>
-          </p:nvSpPr>
-          <p:spPr>
-            <a:xfrm rot="10800000">
-              <a:off x="3728178" y="2678174"/>
-              <a:ext cx="495302" cy="495300"/>
-            </a:xfrm>
-            <a:prstGeom prst="ellipse">
-              <a:avLst/>
-            </a:prstGeom>
-            <a:solidFill>
-              <a:schemeClr val="tx1">
-                <a:lumMod val="85000"/>
-                <a:lumOff val="15000"/>
-                <a:alpha val="44000"/>
-              </a:schemeClr>
-            </a:solidFill>
-            <a:ln>
-              <a:noFill/>
-            </a:ln>
-          </p:spPr>
-          <p:style>
-            <a:lnRef idx="2">
-              <a:schemeClr val="accent1">
-                <a:shade val="50000"/>
-              </a:schemeClr>
-            </a:lnRef>
-            <a:fillRef idx="1">
-              <a:schemeClr val="accent1"/>
-            </a:fillRef>
-            <a:effectRef idx="0">
-              <a:schemeClr val="accent1"/>
-            </a:effectRef>
-            <a:fontRef idx="minor">
-              <a:schemeClr val="lt1"/>
-            </a:fontRef>
-          </p:style>
-          <p:txBody>
-            <a:bodyPr rtlCol="0" anchor="ctr"/>
-            <a:lstStyle/>
-            <a:p>
-              <a:pPr algn="ctr"/>
-              <a:r>
-                <a:rPr lang="en-US" altLang="ko-KR" b="1" dirty="0">
-                  <a:solidFill>
-                    <a:prstClr val="white"/>
-                  </a:solidFill>
-                </a:rPr>
-                <a:t>S</a:t>
-              </a:r>
-              <a:endParaRPr lang="ko-KR" altLang="en-US" b="1" dirty="0">
-                <a:solidFill>
-                  <a:prstClr val="white"/>
-                </a:solidFill>
-              </a:endParaRPr>
-            </a:p>
-          </p:txBody>
-        </p:sp>
-      </p:grpSp>
-      <p:grpSp>
-        <p:nvGrpSpPr>
-          <p:cNvPr id="26" name="그룹 25"/>
-          <p:cNvGrpSpPr/>
-          <p:nvPr/>
-        </p:nvGrpSpPr>
-        <p:grpSpPr>
-          <a:xfrm>
-            <a:off x="6578769" y="2814974"/>
-            <a:ext cx="1344505" cy="1786940"/>
-            <a:chOff x="5642596" y="2403131"/>
-            <a:chExt cx="1344505" cy="1786940"/>
-          </a:xfrm>
-        </p:grpSpPr>
-        <p:sp>
-          <p:nvSpPr>
-            <p:cNvPr id="27" name="모서리가 둥근 직사각형 26"/>
-            <p:cNvSpPr/>
-            <p:nvPr/>
-          </p:nvSpPr>
-          <p:spPr>
-            <a:xfrm rot="5400000">
-              <a:off x="5304050" y="2988619"/>
-              <a:ext cx="1666275" cy="495300"/>
-            </a:xfrm>
-            <a:prstGeom prst="roundRect">
-              <a:avLst>
-                <a:gd name="adj" fmla="val 50000"/>
-              </a:avLst>
-            </a:prstGeom>
-            <a:solidFill>
-              <a:srgbClr val="EF746F">
-                <a:alpha val="50000"/>
-              </a:srgbClr>
-            </a:solidFill>
-            <a:ln>
-              <a:noFill/>
-            </a:ln>
-          </p:spPr>
-          <p:style>
-            <a:lnRef idx="2">
-              <a:schemeClr val="accent1">
-                <a:shade val="50000"/>
-              </a:schemeClr>
-            </a:lnRef>
-            <a:fillRef idx="1">
-              <a:schemeClr val="accent1"/>
-            </a:fillRef>
-            <a:effectRef idx="0">
-              <a:schemeClr val="accent1"/>
-            </a:effectRef>
-            <a:fontRef idx="minor">
-              <a:schemeClr val="lt1"/>
-            </a:fontRef>
-          </p:style>
-          <p:txBody>
-            <a:bodyPr rtlCol="0" anchor="ctr"/>
-            <a:lstStyle/>
-            <a:p>
-              <a:pPr algn="ctr"/>
-              <a:endParaRPr lang="ko-KR" altLang="en-US">
-                <a:solidFill>
-                  <a:prstClr val="white"/>
-                </a:solidFill>
-              </a:endParaRPr>
-            </a:p>
-          </p:txBody>
-        </p:sp>
-        <p:sp>
-          <p:nvSpPr>
-            <p:cNvPr id="28" name="모서리가 둥근 직사각형 27"/>
-            <p:cNvSpPr/>
-            <p:nvPr/>
-          </p:nvSpPr>
-          <p:spPr>
-            <a:xfrm rot="8100000">
-              <a:off x="5805523" y="3366615"/>
-              <a:ext cx="1181578" cy="451923"/>
-            </a:xfrm>
-            <a:prstGeom prst="roundRect">
-              <a:avLst>
-                <a:gd name="adj" fmla="val 50000"/>
-              </a:avLst>
-            </a:prstGeom>
-            <a:solidFill>
-              <a:srgbClr val="EF746F">
-                <a:alpha val="50000"/>
-              </a:srgbClr>
-            </a:solidFill>
-            <a:ln>
-              <a:noFill/>
-            </a:ln>
-          </p:spPr>
-          <p:style>
-            <a:lnRef idx="2">
-              <a:schemeClr val="accent1">
-                <a:shade val="50000"/>
-              </a:schemeClr>
-            </a:lnRef>
-            <a:fillRef idx="1">
-              <a:schemeClr val="accent1"/>
-            </a:fillRef>
-            <a:effectRef idx="0">
-              <a:schemeClr val="accent1"/>
-            </a:effectRef>
-            <a:fontRef idx="minor">
-              <a:schemeClr val="lt1"/>
-            </a:fontRef>
-          </p:style>
-          <p:txBody>
-            <a:bodyPr rtlCol="0" anchor="ctr"/>
-            <a:lstStyle/>
-            <a:p>
-              <a:pPr algn="ctr"/>
-              <a:endParaRPr lang="ko-KR" altLang="en-US">
-                <a:solidFill>
-                  <a:prstClr val="white"/>
-                </a:solidFill>
-              </a:endParaRPr>
-            </a:p>
-          </p:txBody>
-        </p:sp>
-        <p:sp>
-          <p:nvSpPr>
-            <p:cNvPr id="29" name="모서리가 둥근 직사각형 28"/>
-            <p:cNvSpPr/>
-            <p:nvPr/>
-          </p:nvSpPr>
-          <p:spPr>
-            <a:xfrm rot="13500000" flipH="1">
-              <a:off x="5270700" y="3388643"/>
-              <a:ext cx="1173324" cy="429531"/>
-            </a:xfrm>
-            <a:prstGeom prst="roundRect">
-              <a:avLst>
-                <a:gd name="adj" fmla="val 50000"/>
-              </a:avLst>
-            </a:prstGeom>
-            <a:solidFill>
-              <a:srgbClr val="EF746F">
-                <a:alpha val="50000"/>
-              </a:srgbClr>
-            </a:solidFill>
-            <a:ln>
-              <a:noFill/>
-            </a:ln>
-          </p:spPr>
-          <p:style>
-            <a:lnRef idx="2">
-              <a:schemeClr val="accent1">
-                <a:shade val="50000"/>
-              </a:schemeClr>
-            </a:lnRef>
-            <a:fillRef idx="1">
-              <a:schemeClr val="accent1"/>
-            </a:fillRef>
-            <a:effectRef idx="0">
-              <a:schemeClr val="accent1"/>
-            </a:effectRef>
-            <a:fontRef idx="minor">
-              <a:schemeClr val="lt1"/>
-            </a:fontRef>
-          </p:style>
-          <p:txBody>
-            <a:bodyPr rtlCol="0" anchor="ctr"/>
-            <a:lstStyle/>
-            <a:p>
-              <a:pPr algn="ctr"/>
-              <a:endParaRPr lang="ko-KR" altLang="en-US">
-                <a:solidFill>
-                  <a:prstClr val="white"/>
-                </a:solidFill>
-              </a:endParaRPr>
-            </a:p>
-          </p:txBody>
-        </p:sp>
-        <p:sp>
-          <p:nvSpPr>
-            <p:cNvPr id="30" name="타원 29"/>
-            <p:cNvSpPr/>
-            <p:nvPr/>
-          </p:nvSpPr>
-          <p:spPr>
-            <a:xfrm>
-              <a:off x="5889536" y="3574107"/>
-              <a:ext cx="495302" cy="495300"/>
-            </a:xfrm>
-            <a:prstGeom prst="ellipse">
-              <a:avLst/>
-            </a:prstGeom>
-            <a:solidFill>
-              <a:schemeClr val="tx1">
-                <a:alpha val="26000"/>
-              </a:schemeClr>
-            </a:solidFill>
-            <a:ln>
-              <a:noFill/>
-            </a:ln>
-          </p:spPr>
-          <p:style>
-            <a:lnRef idx="2">
-              <a:schemeClr val="accent1">
-                <a:shade val="50000"/>
-              </a:schemeClr>
-            </a:lnRef>
-            <a:fillRef idx="1">
-              <a:schemeClr val="accent1"/>
-            </a:fillRef>
-            <a:effectRef idx="0">
-              <a:schemeClr val="accent1"/>
-            </a:effectRef>
-            <a:fontRef idx="minor">
-              <a:schemeClr val="lt1"/>
-            </a:fontRef>
-          </p:style>
-          <p:txBody>
-            <a:bodyPr rtlCol="0" anchor="ctr"/>
-            <a:lstStyle/>
-            <a:p>
-              <a:pPr algn="ctr"/>
-              <a:r>
-                <a:rPr lang="en-US" altLang="ko-KR" b="1" dirty="0">
-                  <a:solidFill>
-                    <a:prstClr val="white"/>
-                  </a:solidFill>
-                </a:rPr>
-                <a:t>T</a:t>
-              </a:r>
-              <a:endParaRPr lang="ko-KR" altLang="en-US" b="1" dirty="0">
-                <a:solidFill>
-                  <a:prstClr val="white"/>
-                </a:solidFill>
-              </a:endParaRPr>
-            </a:p>
-          </p:txBody>
-        </p:sp>
-      </p:grpSp>
-      <p:grpSp>
-        <p:nvGrpSpPr>
-          <p:cNvPr id="31" name="그룹 30"/>
-          <p:cNvGrpSpPr/>
-          <p:nvPr/>
-        </p:nvGrpSpPr>
-        <p:grpSpPr>
-          <a:xfrm>
-            <a:off x="5146392" y="3924856"/>
-            <a:ext cx="1344504" cy="1786938"/>
-            <a:chOff x="4210219" y="3513013"/>
-            <a:chExt cx="1344504" cy="1786938"/>
-          </a:xfrm>
-        </p:grpSpPr>
-        <p:sp>
-          <p:nvSpPr>
-            <p:cNvPr id="32" name="모서리가 둥근 직사각형 31"/>
-            <p:cNvSpPr/>
-            <p:nvPr/>
-          </p:nvSpPr>
-          <p:spPr>
-            <a:xfrm rot="16200000">
-              <a:off x="4226995" y="4219164"/>
-              <a:ext cx="1666275" cy="495300"/>
-            </a:xfrm>
-            <a:prstGeom prst="roundRect">
-              <a:avLst>
-                <a:gd name="adj" fmla="val 50000"/>
-              </a:avLst>
-            </a:prstGeom>
-            <a:solidFill>
-              <a:srgbClr val="0B4877">
-                <a:alpha val="50000"/>
-              </a:srgbClr>
-            </a:solidFill>
-            <a:ln>
-              <a:noFill/>
-            </a:ln>
-          </p:spPr>
-          <p:style>
-            <a:lnRef idx="2">
-              <a:schemeClr val="accent1">
-                <a:shade val="50000"/>
-              </a:schemeClr>
-            </a:lnRef>
-            <a:fillRef idx="1">
-              <a:schemeClr val="accent1"/>
-            </a:fillRef>
-            <a:effectRef idx="0">
-              <a:schemeClr val="accent1"/>
-            </a:effectRef>
-            <a:fontRef idx="minor">
-              <a:schemeClr val="lt1"/>
-            </a:fontRef>
-          </p:style>
-          <p:txBody>
-            <a:bodyPr rtlCol="0" anchor="ctr"/>
-            <a:lstStyle/>
-            <a:p>
-              <a:pPr algn="ctr"/>
-              <a:endParaRPr lang="ko-KR" altLang="en-US">
-                <a:solidFill>
-                  <a:prstClr val="white"/>
-                </a:solidFill>
-              </a:endParaRPr>
-            </a:p>
-          </p:txBody>
-        </p:sp>
-        <p:sp>
-          <p:nvSpPr>
-            <p:cNvPr id="33" name="모서리가 둥근 직사각형 32"/>
-            <p:cNvSpPr/>
-            <p:nvPr/>
-          </p:nvSpPr>
-          <p:spPr>
-            <a:xfrm rot="18900000">
-              <a:off x="4210219" y="3884545"/>
-              <a:ext cx="1181578" cy="451923"/>
-            </a:xfrm>
-            <a:prstGeom prst="roundRect">
-              <a:avLst>
-                <a:gd name="adj" fmla="val 50000"/>
-              </a:avLst>
-            </a:prstGeom>
-            <a:solidFill>
-              <a:srgbClr val="0B4877">
-                <a:alpha val="50000"/>
-              </a:srgbClr>
-            </a:solidFill>
-            <a:ln>
-              <a:noFill/>
-            </a:ln>
-          </p:spPr>
-          <p:style>
-            <a:lnRef idx="2">
-              <a:schemeClr val="accent1">
-                <a:shade val="50000"/>
-              </a:schemeClr>
-            </a:lnRef>
-            <a:fillRef idx="1">
-              <a:schemeClr val="accent1"/>
-            </a:fillRef>
-            <a:effectRef idx="0">
-              <a:schemeClr val="accent1"/>
-            </a:effectRef>
-            <a:fontRef idx="minor">
-              <a:schemeClr val="lt1"/>
-            </a:fontRef>
-          </p:style>
-          <p:txBody>
-            <a:bodyPr rtlCol="0" anchor="ctr"/>
-            <a:lstStyle/>
-            <a:p>
-              <a:pPr algn="ctr"/>
-              <a:endParaRPr lang="ko-KR" altLang="en-US">
-                <a:solidFill>
-                  <a:prstClr val="white"/>
-                </a:solidFill>
-              </a:endParaRPr>
-            </a:p>
-          </p:txBody>
-        </p:sp>
-        <p:sp>
-          <p:nvSpPr>
-            <p:cNvPr id="34" name="모서리가 둥근 직사각형 33"/>
-            <p:cNvSpPr/>
-            <p:nvPr/>
-          </p:nvSpPr>
-          <p:spPr>
-            <a:xfrm rot="2700000" flipH="1">
-              <a:off x="4753296" y="3884909"/>
-              <a:ext cx="1173324" cy="429531"/>
-            </a:xfrm>
-            <a:prstGeom prst="roundRect">
-              <a:avLst>
-                <a:gd name="adj" fmla="val 50000"/>
-              </a:avLst>
-            </a:prstGeom>
-            <a:solidFill>
-              <a:srgbClr val="0B4877">
-                <a:alpha val="50000"/>
-              </a:srgbClr>
-            </a:solidFill>
-            <a:ln>
-              <a:noFill/>
-            </a:ln>
-          </p:spPr>
-          <p:style>
-            <a:lnRef idx="2">
-              <a:schemeClr val="accent1">
-                <a:shade val="50000"/>
-              </a:schemeClr>
-            </a:lnRef>
-            <a:fillRef idx="1">
-              <a:schemeClr val="accent1"/>
-            </a:fillRef>
-            <a:effectRef idx="0">
-              <a:schemeClr val="accent1"/>
-            </a:effectRef>
-            <a:fontRef idx="minor">
-              <a:schemeClr val="lt1"/>
-            </a:fontRef>
-          </p:style>
-          <p:txBody>
-            <a:bodyPr rtlCol="0" anchor="ctr"/>
-            <a:lstStyle/>
-            <a:p>
-              <a:pPr algn="ctr"/>
-              <a:endParaRPr lang="ko-KR" altLang="en-US">
-                <a:solidFill>
-                  <a:prstClr val="white"/>
-                </a:solidFill>
-              </a:endParaRPr>
-            </a:p>
-          </p:txBody>
-        </p:sp>
-        <p:sp>
-          <p:nvSpPr>
-            <p:cNvPr id="35" name="타원 34"/>
-            <p:cNvSpPr/>
-            <p:nvPr/>
-          </p:nvSpPr>
-          <p:spPr>
-            <a:xfrm>
-              <a:off x="4812482" y="3633676"/>
-              <a:ext cx="495302" cy="495300"/>
-            </a:xfrm>
-            <a:prstGeom prst="ellipse">
-              <a:avLst/>
-            </a:prstGeom>
-            <a:solidFill>
-              <a:schemeClr val="tx1">
-                <a:lumMod val="85000"/>
-                <a:lumOff val="15000"/>
-                <a:alpha val="29000"/>
-              </a:schemeClr>
-            </a:solidFill>
-            <a:ln>
-              <a:noFill/>
-            </a:ln>
-          </p:spPr>
-          <p:style>
-            <a:lnRef idx="2">
-              <a:schemeClr val="accent1">
-                <a:shade val="50000"/>
-              </a:schemeClr>
-            </a:lnRef>
-            <a:fillRef idx="1">
-              <a:schemeClr val="accent1"/>
-            </a:fillRef>
-            <a:effectRef idx="0">
-              <a:schemeClr val="accent1"/>
-            </a:effectRef>
-            <a:fontRef idx="minor">
-              <a:schemeClr val="lt1"/>
-            </a:fontRef>
-          </p:style>
-          <p:txBody>
-            <a:bodyPr rtlCol="0" anchor="ctr"/>
-            <a:lstStyle/>
-            <a:p>
-              <a:pPr algn="ctr"/>
-              <a:r>
-                <a:rPr lang="en-US" altLang="ko-KR" b="1" dirty="0">
-                  <a:solidFill>
-                    <a:prstClr val="white"/>
-                  </a:solidFill>
-                </a:rPr>
-                <a:t>O</a:t>
-              </a:r>
-              <a:endParaRPr lang="ko-KR" altLang="en-US" b="1" dirty="0">
-                <a:solidFill>
-                  <a:prstClr val="white"/>
-                </a:solidFill>
-              </a:endParaRPr>
-            </a:p>
-          </p:txBody>
-        </p:sp>
-      </p:grpSp>
-      <p:sp>
-        <p:nvSpPr>
-          <p:cNvPr id="36" name="직사각형 35"/>
-          <p:cNvSpPr/>
-          <p:nvPr/>
-        </p:nvSpPr>
-        <p:spPr>
-          <a:xfrm rot="16200000">
-            <a:off x="6723332" y="3478730"/>
-            <a:ext cx="655179" cy="276999"/>
-          </a:xfrm>
-          <a:prstGeom prst="rect">
-            <a:avLst/>
-          </a:prstGeom>
-        </p:spPr>
-        <p:txBody>
-          <a:bodyPr wrap="none">
-            <a:spAutoFit/>
-          </a:bodyPr>
-          <a:lstStyle/>
-          <a:p>
-            <a:pPr>
-              <a:defRPr/>
-            </a:pPr>
-            <a:r>
-              <a:rPr lang="en-US" altLang="ko-KR" sz="1200" b="1" dirty="0">
-                <a:solidFill>
-                  <a:prstClr val="white"/>
-                </a:solidFill>
-              </a:rPr>
-              <a:t>Threat</a:t>
-            </a:r>
-          </a:p>
-        </p:txBody>
-      </p:sp>
-      <p:sp>
-        <p:nvSpPr>
-          <p:cNvPr id="37" name="직사각형 36"/>
-          <p:cNvSpPr/>
-          <p:nvPr/>
-        </p:nvSpPr>
-        <p:spPr>
-          <a:xfrm rot="5400000">
-            <a:off x="5453559" y="4972215"/>
-            <a:ext cx="1085490" cy="276999"/>
-          </a:xfrm>
-          <a:prstGeom prst="rect">
-            <a:avLst/>
-          </a:prstGeom>
-        </p:spPr>
-        <p:txBody>
-          <a:bodyPr wrap="none">
-            <a:spAutoFit/>
-          </a:bodyPr>
-          <a:lstStyle/>
-          <a:p>
-            <a:pPr>
-              <a:defRPr/>
-            </a:pPr>
-            <a:r>
-              <a:rPr lang="en-US" altLang="ko-KR" sz="1200" b="1" dirty="0">
-                <a:solidFill>
-                  <a:prstClr val="white"/>
-                </a:solidFill>
-              </a:rPr>
-              <a:t>Opportunity</a:t>
-            </a:r>
-          </a:p>
-        </p:txBody>
-      </p:sp>
-      <p:sp>
-        <p:nvSpPr>
-          <p:cNvPr id="38" name="직사각형 37"/>
-          <p:cNvSpPr/>
-          <p:nvPr/>
-        </p:nvSpPr>
-        <p:spPr>
-          <a:xfrm rot="5400000">
-            <a:off x="4513743" y="3966624"/>
-            <a:ext cx="812787" cy="276999"/>
-          </a:xfrm>
-          <a:prstGeom prst="rect">
-            <a:avLst/>
-          </a:prstGeom>
-        </p:spPr>
-        <p:txBody>
-          <a:bodyPr wrap="none">
-            <a:spAutoFit/>
-          </a:bodyPr>
-          <a:lstStyle/>
-          <a:p>
-            <a:pPr>
-              <a:defRPr/>
-            </a:pPr>
-            <a:r>
-              <a:rPr lang="en-US" altLang="ko-KR" sz="1200" b="1" dirty="0">
-                <a:solidFill>
-                  <a:prstClr val="white"/>
-                </a:solidFill>
-              </a:rPr>
-              <a:t>Strength</a:t>
-            </a:r>
-          </a:p>
-        </p:txBody>
-      </p:sp>
-      <p:sp>
-        <p:nvSpPr>
-          <p:cNvPr id="39" name="직사각형 38"/>
-          <p:cNvSpPr/>
-          <p:nvPr/>
-        </p:nvSpPr>
-        <p:spPr>
-          <a:xfrm rot="16200000">
-            <a:off x="5535021" y="2332886"/>
-            <a:ext cx="908069" cy="276999"/>
-          </a:xfrm>
-          <a:prstGeom prst="rect">
-            <a:avLst/>
-          </a:prstGeom>
-        </p:spPr>
-        <p:txBody>
-          <a:bodyPr wrap="none">
-            <a:spAutoFit/>
-          </a:bodyPr>
-          <a:lstStyle/>
-          <a:p>
-            <a:pPr>
-              <a:defRPr/>
-            </a:pPr>
-            <a:r>
-              <a:rPr lang="en-US" altLang="ko-KR" sz="1200" b="1" dirty="0">
-                <a:solidFill>
-                  <a:prstClr val="white"/>
-                </a:solidFill>
-              </a:rPr>
-              <a:t>Weakness</a:t>
-            </a:r>
-          </a:p>
-        </p:txBody>
-      </p:sp>
-      <p:sp>
-        <p:nvSpPr>
-          <p:cNvPr id="40" name="직사각형 39"/>
-          <p:cNvSpPr/>
-          <p:nvPr/>
-        </p:nvSpPr>
-        <p:spPr>
-          <a:xfrm>
-            <a:off x="2183989" y="5530369"/>
-            <a:ext cx="3585240" cy="1015663"/>
-          </a:xfrm>
-          <a:prstGeom prst="rect">
-            <a:avLst/>
-          </a:prstGeom>
-        </p:spPr>
-        <p:txBody>
-          <a:bodyPr wrap="square">
-            <a:spAutoFit/>
-          </a:bodyPr>
-          <a:lstStyle/>
-          <a:p>
-            <a:pPr algn="r">
-              <a:lnSpc>
-                <a:spcPct val="150000"/>
-              </a:lnSpc>
-            </a:pPr>
-            <a:r>
-              <a:rPr lang="en-US" altLang="ko-KR" sz="1600" b="1" dirty="0">
-                <a:solidFill>
-                  <a:srgbClr val="0B4877"/>
-                </a:solidFill>
-              </a:rPr>
-              <a:t>CONTENTS A</a:t>
-            </a:r>
-          </a:p>
-          <a:p>
-            <a:pPr algn="r">
-              <a:lnSpc>
-                <a:spcPct val="150000"/>
-              </a:lnSpc>
-            </a:pPr>
-            <a:r>
-              <a:rPr lang="ko-KR" altLang="en-US" sz="1400" dirty="0">
-                <a:solidFill>
-                  <a:prstClr val="white">
-                    <a:lumMod val="50000"/>
-                  </a:prstClr>
-                </a:solidFill>
-              </a:rPr>
-              <a:t>컨텐츠에 대한 내용을 적어요</a:t>
-            </a:r>
-            <a:endParaRPr lang="en-US" altLang="ko-KR" sz="1400" dirty="0">
+            <a:endParaRPr lang="en-US" altLang="ko-KR" sz="700" i="1">
               <a:solidFill>
-                <a:prstClr val="white">
-                  <a:lumMod val="50000"/>
-                </a:prstClr>
+                <a:prstClr val="white"/>
               </a:solidFill>
             </a:endParaRPr>
-          </a:p>
-          <a:p>
-            <a:pPr algn="r">
-              <a:lnSpc>
-                <a:spcPct val="150000"/>
-              </a:lnSpc>
-            </a:pPr>
-            <a:r>
-              <a:rPr lang="ko-KR" altLang="en-US" sz="1000" dirty="0">
-                <a:solidFill>
-                  <a:prstClr val="white">
-                    <a:lumMod val="75000"/>
-                  </a:prstClr>
-                </a:solidFill>
-              </a:rPr>
-              <a:t>Enjoy your stylish business and campus life with BIZCAM </a:t>
-            </a:r>
           </a:p>
         </p:txBody>
       </p:sp>
@@ -26531,7 +25494,7 @@
         <p:spPr>
           <a:xfrm>
             <a:off x="6270270" y="1323970"/>
-            <a:ext cx="3989245" cy="1015663"/>
+            <a:ext cx="3989245" cy="998225"/>
           </a:xfrm>
           <a:prstGeom prst="rect">
             <a:avLst/>
@@ -26547,24 +25510,31 @@
               <a:lnSpc>
                 <a:spcPct val="150000"/>
               </a:lnSpc>
+              <a:defRPr lang="ko-KR" altLang="en-US"/>
             </a:pPr>
             <a:r>
-              <a:rPr lang="en-US" altLang="ko-KR" sz="1600" b="1" dirty="0">
+              <a:rPr lang="en-US" altLang="ko-KR" sz="1600" b="1">
                 <a:solidFill>
-                  <a:srgbClr val="EF746F"/>
+                  <a:srgbClr val="ef746f"/>
                 </a:solidFill>
               </a:rPr>
               <a:t>CONTENTS A</a:t>
             </a:r>
+            <a:endParaRPr lang="en-US" altLang="ko-KR" sz="1600" b="1">
+              <a:solidFill>
+                <a:srgbClr val="ef746f"/>
+              </a:solidFill>
+            </a:endParaRPr>
           </a:p>
           <a:p>
             <a:pPr>
               <a:lnSpc>
                 <a:spcPct val="150000"/>
               </a:lnSpc>
+              <a:defRPr lang="ko-KR" altLang="en-US"/>
             </a:pPr>
             <a:r>
-              <a:rPr lang="ko-KR" altLang="en-US" sz="1400" dirty="0">
+              <a:rPr lang="ko-KR" altLang="en-US" sz="1400">
                 <a:solidFill>
                   <a:prstClr val="white">
                     <a:lumMod val="50000"/>
@@ -26573,7 +25543,7 @@
               </a:rPr>
               <a:t>컨텐츠에 대한 내용을 적어요</a:t>
             </a:r>
-            <a:endParaRPr lang="en-US" altLang="ko-KR" sz="1400" dirty="0">
+            <a:endParaRPr lang="ko-KR" altLang="en-US" sz="1400">
               <a:solidFill>
                 <a:prstClr val="white">
                   <a:lumMod val="50000"/>
@@ -26586,9 +25556,10 @@
               <a:lnSpc>
                 <a:spcPct val="150000"/>
               </a:lnSpc>
+              <a:defRPr lang="ko-KR" altLang="en-US"/>
             </a:pPr>
             <a:r>
-              <a:rPr lang="ko-KR" altLang="en-US" sz="1000" dirty="0">
+              <a:rPr lang="ko-KR" altLang="en-US" sz="1000">
                 <a:solidFill>
                   <a:prstClr val="white">
                     <a:lumMod val="75000"/>
@@ -26597,19 +25568,26 @@
               </a:rPr>
               <a:t>Enjoy your stylish business and campus life with BIZCAM </a:t>
             </a:r>
+            <a:endParaRPr lang="ko-KR" altLang="en-US" sz="1000">
+              <a:solidFill>
+                <a:prstClr val="white">
+                  <a:lumMod val="75000"/>
+                </a:prstClr>
+              </a:solidFill>
+            </a:endParaRPr>
           </a:p>
         </p:txBody>
       </p:sp>
       <p:sp>
         <p:nvSpPr>
-          <p:cNvPr id="42" name="직사각형 41"/>
-          <p:cNvSpPr/>
+          <p:cNvPr id="44" name=""/>
+          <p:cNvSpPr txBox="1"/>
           <p:nvPr/>
         </p:nvSpPr>
         <p:spPr>
           <a:xfrm>
-            <a:off x="8034826" y="3170473"/>
-            <a:ext cx="2902261" cy="1246495"/>
+            <a:off x="2110538" y="2902618"/>
+            <a:ext cx="2055395" cy="905477"/>
           </a:xfrm>
           <a:prstGeom prst="rect">
             <a:avLst/>
@@ -26619,153 +25597,31 @@
           <a:bodyPr wrap="square">
             <a:spAutoFit/>
           </a:bodyPr>
-          <a:lstStyle/>
           <a:p>
             <a:pPr>
-              <a:lnSpc>
-                <a:spcPct val="150000"/>
-              </a:lnSpc>
+              <a:defRPr lang="ko-KR" altLang="en-US"/>
             </a:pPr>
             <a:r>
-              <a:rPr lang="en-US" altLang="ko-KR" sz="1600" b="1" dirty="0">
-                <a:solidFill>
-                  <a:srgbClr val="EF746F"/>
-                </a:solidFill>
-              </a:rPr>
-              <a:t>CONTENTS A</a:t>
+              <a:rPr lang="ko-KR" altLang="en-US"/>
+              <a:t>동영상 찍고싶은데 가능할지 모르겠습니다....</a:t>
             </a:r>
-          </a:p>
-          <a:p>
-            <a:pPr>
-              <a:lnSpc>
-                <a:spcPct val="150000"/>
-              </a:lnSpc>
-            </a:pPr>
-            <a:r>
-              <a:rPr lang="ko-KR" altLang="en-US" sz="1400" dirty="0">
-                <a:solidFill>
-                  <a:prstClr val="white">
-                    <a:lumMod val="50000"/>
-                  </a:prstClr>
-                </a:solidFill>
-              </a:rPr>
-              <a:t>컨텐츠에 대한 내용을 적어요</a:t>
-            </a:r>
-            <a:endParaRPr lang="en-US" altLang="ko-KR" sz="1400" dirty="0">
-              <a:solidFill>
-                <a:prstClr val="white">
-                  <a:lumMod val="50000"/>
-                </a:prstClr>
-              </a:solidFill>
-            </a:endParaRPr>
-          </a:p>
-          <a:p>
-            <a:pPr>
-              <a:lnSpc>
-                <a:spcPct val="150000"/>
-              </a:lnSpc>
-            </a:pPr>
-            <a:r>
-              <a:rPr lang="ko-KR" altLang="en-US" sz="1000" dirty="0">
-                <a:solidFill>
-                  <a:prstClr val="white">
-                    <a:lumMod val="75000"/>
-                  </a:prstClr>
-                </a:solidFill>
-              </a:rPr>
-              <a:t>Enjoy your stylish business and campus life with BIZCAM </a:t>
-            </a:r>
-          </a:p>
-        </p:txBody>
-      </p:sp>
-      <p:sp>
-        <p:nvSpPr>
-          <p:cNvPr id="43" name="직사각형 42"/>
-          <p:cNvSpPr/>
-          <p:nvPr/>
-        </p:nvSpPr>
-        <p:spPr>
-          <a:xfrm>
-            <a:off x="1136777" y="3166556"/>
-            <a:ext cx="2815530" cy="1246495"/>
-          </a:xfrm>
-          <a:prstGeom prst="rect">
-            <a:avLst/>
-          </a:prstGeom>
-        </p:spPr>
-        <p:txBody>
-          <a:bodyPr wrap="square">
-            <a:spAutoFit/>
-          </a:bodyPr>
-          <a:lstStyle/>
-          <a:p>
-            <a:pPr algn="r">
-              <a:lnSpc>
-                <a:spcPct val="150000"/>
-              </a:lnSpc>
-            </a:pPr>
-            <a:r>
-              <a:rPr lang="en-US" altLang="ko-KR" sz="1600" b="1" dirty="0">
-                <a:solidFill>
-                  <a:srgbClr val="0B4877"/>
-                </a:solidFill>
-              </a:rPr>
-              <a:t>CONTENTS A</a:t>
-            </a:r>
-          </a:p>
-          <a:p>
-            <a:pPr algn="r">
-              <a:lnSpc>
-                <a:spcPct val="150000"/>
-              </a:lnSpc>
-            </a:pPr>
-            <a:r>
-              <a:rPr lang="ko-KR" altLang="en-US" sz="1400" dirty="0">
-                <a:solidFill>
-                  <a:prstClr val="white">
-                    <a:lumMod val="50000"/>
-                  </a:prstClr>
-                </a:solidFill>
-              </a:rPr>
-              <a:t>컨텐츠에 대한 내용을 적어요</a:t>
-            </a:r>
-            <a:endParaRPr lang="en-US" altLang="ko-KR" sz="1400" dirty="0">
-              <a:solidFill>
-                <a:prstClr val="white">
-                  <a:lumMod val="50000"/>
-                </a:prstClr>
-              </a:solidFill>
-            </a:endParaRPr>
-          </a:p>
-          <a:p>
-            <a:pPr algn="r">
-              <a:lnSpc>
-                <a:spcPct val="150000"/>
-              </a:lnSpc>
-            </a:pPr>
-            <a:r>
-              <a:rPr lang="ko-KR" altLang="en-US" sz="1000" dirty="0">
-                <a:solidFill>
-                  <a:prstClr val="white">
-                    <a:lumMod val="75000"/>
-                  </a:prstClr>
-                </a:solidFill>
-              </a:rPr>
-              <a:t>Enjoy your stylish business and campus life with BIZCAM </a:t>
-            </a:r>
+            <a:endParaRPr lang="ko-KR" altLang="en-US"/>
           </a:p>
         </p:txBody>
       </p:sp>
     </p:spTree>
-    <p:extLst>
-      <p:ext uri="{BB962C8B-B14F-4D97-AF65-F5344CB8AC3E}">
-        <p14:creationId xmlns:p14="http://schemas.microsoft.com/office/powerpoint/2010/main" val="2228214834"/>
-      </p:ext>
-    </p:extLst>
   </p:cSld>
   <p:clrMapOvr>
     <a:masterClrMapping/>
   </p:clrMapOvr>
+  <mc:AlternateContent xmlns:mc="http://schemas.openxmlformats.org/markup-compatibility/2006">
+    <mc:Choice xmlns:p14="http://schemas.microsoft.com/office/powerpoint/2010/main" Requires="p14">
+      <p:transition xmlns:mc="http://schemas.openxmlformats.org/markup-compatibility/2006" xmlns:p14="http://schemas.microsoft.com/office/powerpoint/2010/main" mc:Ignorable="p14" p14:dur="500"/>
+    </mc:Choice>
+    <mc:Fallback>
+      <p:transition/>
+    </mc:Fallback>
+  </mc:AlternateContent>
 </p:sld>
 </file>
 
@@ -28295,49 +27151,49 @@
 </file>
 
 <file path=ppt/theme/theme1.xml><?xml version="1.0" encoding="utf-8"?>
-<a:theme xmlns:a="http://schemas.openxmlformats.org/drawingml/2006/main" name="1_Office 테마">
+<a:theme xmlns:r="http://schemas.openxmlformats.org/officeDocument/2006/relationships" xmlns:c="http://schemas.openxmlformats.org/drawingml/2006/chart" xmlns:dgm="http://schemas.openxmlformats.org/drawingml/2006/diagram" xmlns:dsp="http://schemas.microsoft.com/office/drawing/2008/diagram" xmlns:a="http://schemas.openxmlformats.org/drawingml/2006/main" xmlns:pic="http://schemas.openxmlformats.org/drawingml/2006/picture" xmlns:wp="http://schemas.openxmlformats.org/drawingml/2006/wordprocessingDrawing" xmlns:xdr="http://schemas.openxmlformats.org/drawingml/2006/spreadsheetDrawing" name="1_Office 테마">
   <a:themeElements>
     <a:clrScheme name="Office">
       <a:dk1>
         <a:sysClr val="windowText" lastClr="000000"/>
       </a:dk1>
       <a:lt1>
-        <a:sysClr val="window" lastClr="FFFFFF"/>
+        <a:sysClr val="window" lastClr="ffffff"/>
       </a:lt1>
       <a:dk2>
-        <a:srgbClr val="44546A"/>
+        <a:srgbClr val="44546a"/>
       </a:dk2>
       <a:lt2>
-        <a:srgbClr val="E7E6E6"/>
+        <a:srgbClr val="e7e6e6"/>
       </a:lt2>
       <a:accent1>
-        <a:srgbClr val="4472C4"/>
+        <a:srgbClr val="4472c4"/>
       </a:accent1>
       <a:accent2>
-        <a:srgbClr val="ED7D31"/>
+        <a:srgbClr val="ed7d31"/>
       </a:accent2>
       <a:accent3>
-        <a:srgbClr val="A5A5A5"/>
+        <a:srgbClr val="a5a5a5"/>
       </a:accent3>
       <a:accent4>
-        <a:srgbClr val="FFC000"/>
+        <a:srgbClr val="ffc000"/>
       </a:accent4>
       <a:accent5>
-        <a:srgbClr val="5B9BD5"/>
+        <a:srgbClr val="5b9bd5"/>
       </a:accent5>
       <a:accent6>
-        <a:srgbClr val="70AD47"/>
+        <a:srgbClr val="70ad47"/>
       </a:accent6>
       <a:hlink>
-        <a:srgbClr val="0563C1"/>
+        <a:srgbClr val="0563c1"/>
       </a:hlink>
       <a:folHlink>
-        <a:srgbClr val="954F72"/>
+        <a:srgbClr val="954f72"/>
       </a:folHlink>
     </a:clrScheme>
     <a:fontScheme name="Office">
       <a:majorFont>
-        <a:latin typeface="맑은 고딕" panose="020F0302020204030204"/>
+        <a:latin typeface="맑은 고딕" panose="20"/>
         <a:ea typeface=""/>
         <a:cs typeface=""/>
         <a:font script="Jpan" typeface="游ゴシック Light"/>
@@ -28389,7 +27245,7 @@
         <a:font script="Tfng" typeface="Ebrima"/>
       </a:majorFont>
       <a:minorFont>
-        <a:latin typeface="맑은 고딕" panose="020F0502020204030204"/>
+        <a:latin typeface="맑은 고딕" panose="20"/>
         <a:ea typeface=""/>
         <a:cs typeface=""/>
         <a:font script="Jpan" typeface="游ゴシック"/>
@@ -28505,21 +27361,21 @@
             <a:schemeClr val="phClr"/>
           </a:solidFill>
           <a:prstDash val="solid"/>
-          <a:miter lim="800000"/>
+          <a:miter/>
         </a:ln>
         <a:ln w="12700" cap="flat" cmpd="sng" algn="ctr">
           <a:solidFill>
             <a:schemeClr val="phClr"/>
           </a:solidFill>
           <a:prstDash val="solid"/>
-          <a:miter lim="800000"/>
+          <a:miter/>
         </a:ln>
         <a:ln w="19050" cap="flat" cmpd="sng" algn="ctr">
           <a:solidFill>
             <a:schemeClr val="phClr"/>
           </a:solidFill>
           <a:prstDash val="solid"/>
-          <a:miter lim="800000"/>
+          <a:miter/>
         </a:ln>
       </a:lnStyleLst>
       <a:effectStyleLst>
@@ -28579,12 +27435,5 @@
       </a:bgFillStyleLst>
     </a:fmtScheme>
   </a:themeElements>
-  <a:objectDefaults/>
-  <a:extraClrSchemeLst/>
-  <a:extLst>
-    <a:ext uri="{05A4C25C-085E-4340-85A3-A5531E510DB2}">
-      <thm15:themeFamily xmlns:thm15="http://schemas.microsoft.com/office/thememl/2012/main" name="Office Theme" id="{62F939B6-93AF-4DB8-9C6B-D6C7DFDC589F}" vid="{4A3C46E8-61CC-4603-A589-7422A47A8E4A}"/>
-    </a:ext>
-  </a:extLst>
 </a:theme>
 </file>